--- a/thesis/ukapp2/wqu_isc/sofware_design/Javabc01.pptx
+++ b/thesis/ukapp2/wqu_isc/sofware_design/Javabc01.pptx
@@ -8,39 +8,40 @@
     <p:sldId id="256" r:id="rId5"/>
     <p:sldId id="272" r:id="rId6"/>
     <p:sldId id="285" r:id="rId7"/>
-    <p:sldId id="282" r:id="rId8"/>
-    <p:sldId id="286" r:id="rId9"/>
-    <p:sldId id="275" r:id="rId10"/>
-    <p:sldId id="287" r:id="rId11"/>
-    <p:sldId id="258" r:id="rId12"/>
-    <p:sldId id="267" r:id="rId13"/>
-    <p:sldId id="273" r:id="rId14"/>
-    <p:sldId id="266" r:id="rId15"/>
-    <p:sldId id="270" r:id="rId16"/>
-    <p:sldId id="277" r:id="rId17"/>
-    <p:sldId id="288" r:id="rId18"/>
-    <p:sldId id="271" r:id="rId19"/>
-    <p:sldId id="276" r:id="rId20"/>
-    <p:sldId id="274" r:id="rId21"/>
-    <p:sldId id="278" r:id="rId22"/>
-    <p:sldId id="279" r:id="rId23"/>
-    <p:sldId id="280" r:id="rId24"/>
-    <p:sldId id="281" r:id="rId25"/>
+    <p:sldId id="289" r:id="rId8"/>
+    <p:sldId id="282" r:id="rId9"/>
+    <p:sldId id="286" r:id="rId10"/>
+    <p:sldId id="275" r:id="rId11"/>
+    <p:sldId id="287" r:id="rId12"/>
+    <p:sldId id="258" r:id="rId13"/>
+    <p:sldId id="267" r:id="rId14"/>
+    <p:sldId id="273" r:id="rId15"/>
+    <p:sldId id="266" r:id="rId16"/>
+    <p:sldId id="270" r:id="rId17"/>
+    <p:sldId id="277" r:id="rId18"/>
+    <p:sldId id="288" r:id="rId19"/>
+    <p:sldId id="271" r:id="rId20"/>
+    <p:sldId id="276" r:id="rId21"/>
+    <p:sldId id="274" r:id="rId22"/>
+    <p:sldId id="278" r:id="rId23"/>
+    <p:sldId id="279" r:id="rId24"/>
+    <p:sldId id="280" r:id="rId25"/>
+    <p:sldId id="281" r:id="rId26"/>
   </p:sldIdLst>
   <p:sldSz cx="9144000" cy="6858000" type="screen4x3"/>
   <p:notesSz cx="6858000" cy="9144000"/>
   <p:embeddedFontLst>
     <p:embeddedFont>
       <p:font typeface="Calibri" panose="020F0502020204030204" pitchFamily="34" charset="0"/>
-      <p:regular r:id="rId26"/>
-      <p:bold r:id="rId27"/>
-      <p:italic r:id="rId28"/>
-      <p:boldItalic r:id="rId29"/>
+      <p:regular r:id="rId27"/>
+      <p:bold r:id="rId28"/>
+      <p:italic r:id="rId29"/>
+      <p:boldItalic r:id="rId30"/>
     </p:embeddedFont>
     <p:embeddedFont>
       <p:font typeface="Calibri Light" panose="020F0302020204030204" pitchFamily="34" charset="0"/>
-      <p:regular r:id="rId30"/>
-      <p:italic r:id="rId31"/>
+      <p:regular r:id="rId31"/>
+      <p:italic r:id="rId32"/>
     </p:embeddedFont>
   </p:embeddedFontLst>
   <p:defaultTextStyle>
@@ -4054,6 +4055,689 @@
           <a:p>
             <a:r>
               <a:rPr lang="en-GB" dirty="0"/>
+              <a:t>Data Types in Object Oriented Programming</a:t>
+            </a:r>
+          </a:p>
+        </p:txBody>
+      </p:sp>
+      <p:grpSp>
+        <p:nvGrpSpPr>
+          <p:cNvPr id="23" name="Group 22">
+            <a:extLst>
+              <a:ext uri="{FF2B5EF4-FFF2-40B4-BE49-F238E27FC236}">
+                <a16:creationId xmlns:a16="http://schemas.microsoft.com/office/drawing/2014/main" id="{71C6DC02-35AA-4746-B820-FB7F2469C0C3}"/>
+              </a:ext>
+            </a:extLst>
+          </p:cNvPr>
+          <p:cNvGrpSpPr/>
+          <p:nvPr/>
+        </p:nvGrpSpPr>
+        <p:grpSpPr>
+          <a:xfrm>
+            <a:off x="647007" y="1856509"/>
+            <a:ext cx="7849985" cy="4149436"/>
+            <a:chOff x="647007" y="1856509"/>
+            <a:chExt cx="7849985" cy="4149436"/>
+          </a:xfrm>
+        </p:grpSpPr>
+        <p:sp>
+          <p:nvSpPr>
+            <p:cNvPr id="4" name="Rectangle 3">
+              <a:extLst>
+                <a:ext uri="{FF2B5EF4-FFF2-40B4-BE49-F238E27FC236}">
+                  <a16:creationId xmlns:a16="http://schemas.microsoft.com/office/drawing/2014/main" id="{D0948296-EEB5-486C-8E6A-5BF0ADABC116}"/>
+                </a:ext>
+              </a:extLst>
+            </p:cNvPr>
+            <p:cNvSpPr/>
+            <p:nvPr/>
+          </p:nvSpPr>
+          <p:spPr>
+            <a:xfrm>
+              <a:off x="3329478" y="1856509"/>
+              <a:ext cx="2318327" cy="914400"/>
+            </a:xfrm>
+            <a:prstGeom prst="rect">
+              <a:avLst/>
+            </a:prstGeom>
+          </p:spPr>
+          <p:style>
+            <a:lnRef idx="1">
+              <a:schemeClr val="accent3"/>
+            </a:lnRef>
+            <a:fillRef idx="2">
+              <a:schemeClr val="accent3"/>
+            </a:fillRef>
+            <a:effectRef idx="1">
+              <a:schemeClr val="accent3"/>
+            </a:effectRef>
+            <a:fontRef idx="minor">
+              <a:schemeClr val="dk1"/>
+            </a:fontRef>
+          </p:style>
+          <p:txBody>
+            <a:bodyPr rtlCol="0" anchor="ctr"/>
+            <a:lstStyle/>
+            <a:p>
+              <a:pPr algn="ctr"/>
+              <a:r>
+                <a:rPr lang="en-GB" sz="3200" dirty="0"/>
+                <a:t>Data Types</a:t>
+              </a:r>
+            </a:p>
+          </p:txBody>
+        </p:sp>
+        <p:sp>
+          <p:nvSpPr>
+            <p:cNvPr id="5" name="Rectangle 4">
+              <a:extLst>
+                <a:ext uri="{FF2B5EF4-FFF2-40B4-BE49-F238E27FC236}">
+                  <a16:creationId xmlns:a16="http://schemas.microsoft.com/office/drawing/2014/main" id="{8E988071-9D4D-4197-99AE-F32D9F2BE458}"/>
+                </a:ext>
+              </a:extLst>
+            </p:cNvPr>
+            <p:cNvSpPr/>
+            <p:nvPr/>
+          </p:nvSpPr>
+          <p:spPr>
+            <a:xfrm>
+              <a:off x="647007" y="3352800"/>
+              <a:ext cx="2253211" cy="2576945"/>
+            </a:xfrm>
+            <a:prstGeom prst="rect">
+              <a:avLst/>
+            </a:prstGeom>
+            <a:effectLst>
+              <a:glow rad="139700">
+                <a:schemeClr val="accent4">
+                  <a:satMod val="175000"/>
+                  <a:alpha val="40000"/>
+                </a:schemeClr>
+              </a:glow>
+            </a:effectLst>
+          </p:spPr>
+          <p:style>
+            <a:lnRef idx="1">
+              <a:schemeClr val="accent6"/>
+            </a:lnRef>
+            <a:fillRef idx="2">
+              <a:schemeClr val="accent6"/>
+            </a:fillRef>
+            <a:effectRef idx="1">
+              <a:schemeClr val="accent6"/>
+            </a:effectRef>
+            <a:fontRef idx="minor">
+              <a:schemeClr val="dk1"/>
+            </a:fontRef>
+          </p:style>
+          <p:txBody>
+            <a:bodyPr rtlCol="0" anchor="t"/>
+            <a:lstStyle/>
+            <a:p>
+              <a:pPr algn="ctr"/>
+              <a:r>
+                <a:rPr lang="en-GB" u="sng" dirty="0"/>
+                <a:t>Primitive</a:t>
+              </a:r>
+            </a:p>
+            <a:p>
+              <a:r>
+                <a:rPr lang="en-GB" dirty="0"/>
+                <a:t>Integer</a:t>
+              </a:r>
+            </a:p>
+            <a:p>
+              <a:r>
+                <a:rPr lang="en-GB" dirty="0"/>
+                <a:t>Character</a:t>
+              </a:r>
+            </a:p>
+            <a:p>
+              <a:r>
+                <a:rPr lang="en-GB" dirty="0"/>
+                <a:t>Boolean</a:t>
+              </a:r>
+            </a:p>
+            <a:p>
+              <a:r>
+                <a:rPr lang="en-GB" dirty="0"/>
+                <a:t>Floating point</a:t>
+              </a:r>
+            </a:p>
+            <a:p>
+              <a:r>
+                <a:rPr lang="en-GB" dirty="0"/>
+                <a:t>Double floating point</a:t>
+              </a:r>
+            </a:p>
+            <a:p>
+              <a:r>
+                <a:rPr lang="en-GB" dirty="0"/>
+                <a:t>Void</a:t>
+              </a:r>
+            </a:p>
+            <a:p>
+              <a:r>
+                <a:rPr lang="en-GB" strike="sngStrike" dirty="0">
+                  <a:solidFill>
+                    <a:srgbClr val="FF0000"/>
+                  </a:solidFill>
+                </a:rPr>
+                <a:t>Wide Character</a:t>
+              </a:r>
+            </a:p>
+          </p:txBody>
+        </p:sp>
+        <p:sp>
+          <p:nvSpPr>
+            <p:cNvPr id="6" name="Rectangle 5">
+              <a:extLst>
+                <a:ext uri="{FF2B5EF4-FFF2-40B4-BE49-F238E27FC236}">
+                  <a16:creationId xmlns:a16="http://schemas.microsoft.com/office/drawing/2014/main" id="{F792EB32-8B62-4B22-9063-4BE5E2E5C032}"/>
+                </a:ext>
+              </a:extLst>
+            </p:cNvPr>
+            <p:cNvSpPr/>
+            <p:nvPr/>
+          </p:nvSpPr>
+          <p:spPr>
+            <a:xfrm>
+              <a:off x="3541914" y="3429000"/>
+              <a:ext cx="2105891" cy="2576945"/>
+            </a:xfrm>
+            <a:prstGeom prst="rect">
+              <a:avLst/>
+            </a:prstGeom>
+            <a:effectLst>
+              <a:glow rad="228600">
+                <a:schemeClr val="accent3">
+                  <a:satMod val="175000"/>
+                  <a:alpha val="40000"/>
+                </a:schemeClr>
+              </a:glow>
+            </a:effectLst>
+          </p:spPr>
+          <p:style>
+            <a:lnRef idx="1">
+              <a:schemeClr val="accent5"/>
+            </a:lnRef>
+            <a:fillRef idx="2">
+              <a:schemeClr val="accent5"/>
+            </a:fillRef>
+            <a:effectRef idx="1">
+              <a:schemeClr val="accent5"/>
+            </a:effectRef>
+            <a:fontRef idx="minor">
+              <a:schemeClr val="dk1"/>
+            </a:fontRef>
+          </p:style>
+          <p:txBody>
+            <a:bodyPr rtlCol="0" anchor="t"/>
+            <a:lstStyle/>
+            <a:p>
+              <a:pPr algn="ctr"/>
+              <a:r>
+                <a:rPr lang="en-GB" u="sng" dirty="0"/>
+                <a:t>Derived</a:t>
+              </a:r>
+            </a:p>
+            <a:p>
+              <a:r>
+                <a:rPr lang="en-GB" dirty="0"/>
+                <a:t>Array</a:t>
+              </a:r>
+            </a:p>
+            <a:p>
+              <a:r>
+                <a:rPr lang="en-GB" strike="sngStrike" dirty="0">
+                  <a:solidFill>
+                    <a:srgbClr val="FF0000"/>
+                  </a:solidFill>
+                </a:rPr>
+                <a:t>Pointer</a:t>
+              </a:r>
+            </a:p>
+            <a:p>
+              <a:r>
+                <a:rPr lang="en-GB" strike="sngStrike" dirty="0">
+                  <a:solidFill>
+                    <a:srgbClr val="FF0000"/>
+                  </a:solidFill>
+                </a:rPr>
+                <a:t>Reference</a:t>
+              </a:r>
+            </a:p>
+          </p:txBody>
+        </p:sp>
+        <p:sp>
+          <p:nvSpPr>
+            <p:cNvPr id="7" name="Rectangle 6">
+              <a:extLst>
+                <a:ext uri="{FF2B5EF4-FFF2-40B4-BE49-F238E27FC236}">
+                  <a16:creationId xmlns:a16="http://schemas.microsoft.com/office/drawing/2014/main" id="{63E155E3-8592-4CDE-B55B-B627E700AC3A}"/>
+                </a:ext>
+              </a:extLst>
+            </p:cNvPr>
+            <p:cNvSpPr/>
+            <p:nvPr/>
+          </p:nvSpPr>
+          <p:spPr>
+            <a:xfrm>
+              <a:off x="6391101" y="3429000"/>
+              <a:ext cx="2105891" cy="2576945"/>
+            </a:xfrm>
+            <a:prstGeom prst="rect">
+              <a:avLst/>
+            </a:prstGeom>
+            <a:effectLst>
+              <a:glow rad="101600">
+                <a:schemeClr val="accent6">
+                  <a:satMod val="175000"/>
+                  <a:alpha val="40000"/>
+                </a:schemeClr>
+              </a:glow>
+            </a:effectLst>
+          </p:spPr>
+          <p:style>
+            <a:lnRef idx="1">
+              <a:schemeClr val="accent4"/>
+            </a:lnRef>
+            <a:fillRef idx="2">
+              <a:schemeClr val="accent4"/>
+            </a:fillRef>
+            <a:effectRef idx="1">
+              <a:schemeClr val="accent4"/>
+            </a:effectRef>
+            <a:fontRef idx="minor">
+              <a:schemeClr val="dk1"/>
+            </a:fontRef>
+          </p:style>
+          <p:txBody>
+            <a:bodyPr rtlCol="0" anchor="t"/>
+            <a:lstStyle/>
+            <a:p>
+              <a:pPr algn="ctr"/>
+              <a:r>
+                <a:rPr lang="en-GB" u="sng" dirty="0"/>
+                <a:t>User Defined</a:t>
+              </a:r>
+            </a:p>
+            <a:p>
+              <a:r>
+                <a:rPr lang="en-GB" dirty="0"/>
+                <a:t>Class</a:t>
+              </a:r>
+            </a:p>
+            <a:p>
+              <a:r>
+                <a:rPr lang="en-US" dirty="0"/>
+                <a:t>Object</a:t>
+              </a:r>
+              <a:endParaRPr lang="en-GB" dirty="0"/>
+            </a:p>
+            <a:p>
+              <a:r>
+                <a:rPr lang="en-GB" strike="sngStrike" dirty="0">
+                  <a:solidFill>
+                    <a:srgbClr val="FF0000"/>
+                  </a:solidFill>
+                </a:rPr>
+                <a:t>Structure</a:t>
+              </a:r>
+            </a:p>
+            <a:p>
+              <a:r>
+                <a:rPr lang="en-GB" strike="sngStrike" dirty="0">
+                  <a:solidFill>
+                    <a:srgbClr val="FF0000"/>
+                  </a:solidFill>
+                </a:rPr>
+                <a:t>Union</a:t>
+              </a:r>
+            </a:p>
+            <a:p>
+              <a:r>
+                <a:rPr lang="en-GB" dirty="0" err="1">
+                  <a:solidFill>
+                    <a:schemeClr val="tx1"/>
+                  </a:solidFill>
+                </a:rPr>
+                <a:t>Enum</a:t>
+              </a:r>
+              <a:endParaRPr lang="en-GB" dirty="0">
+                <a:solidFill>
+                  <a:schemeClr val="tx1"/>
+                </a:solidFill>
+              </a:endParaRPr>
+            </a:p>
+            <a:p>
+              <a:r>
+                <a:rPr lang="en-GB" strike="sngStrike" dirty="0" err="1">
+                  <a:solidFill>
+                    <a:srgbClr val="FF0000"/>
+                  </a:solidFill>
+                </a:rPr>
+                <a:t>Typedef</a:t>
+              </a:r>
+              <a:endParaRPr lang="en-GB" strike="sngStrike" dirty="0">
+                <a:solidFill>
+                  <a:srgbClr val="FF0000"/>
+                </a:solidFill>
+              </a:endParaRPr>
+            </a:p>
+            <a:p>
+              <a:r>
+                <a:rPr lang="en-GB" dirty="0"/>
+                <a:t>Function</a:t>
+              </a:r>
+            </a:p>
+          </p:txBody>
+        </p:sp>
+        <p:cxnSp>
+          <p:nvCxnSpPr>
+            <p:cNvPr id="9" name="Connector: Elbow 8">
+              <a:extLst>
+                <a:ext uri="{FF2B5EF4-FFF2-40B4-BE49-F238E27FC236}">
+                  <a16:creationId xmlns:a16="http://schemas.microsoft.com/office/drawing/2014/main" id="{148AE585-AAFE-41C4-BD05-5D87CEF76F7E}"/>
+                </a:ext>
+              </a:extLst>
+            </p:cNvPr>
+            <p:cNvCxnSpPr>
+              <a:cxnSpLocks/>
+              <a:stCxn id="4" idx="2"/>
+              <a:endCxn id="5" idx="0"/>
+            </p:cNvCxnSpPr>
+            <p:nvPr/>
+          </p:nvCxnSpPr>
+          <p:spPr>
+            <a:xfrm rot="5400000">
+              <a:off x="2840183" y="1704340"/>
+              <a:ext cx="581891" cy="2715029"/>
+            </a:xfrm>
+            <a:prstGeom prst="bentConnector3">
+              <a:avLst>
+                <a:gd name="adj1" fmla="val 50000"/>
+              </a:avLst>
+            </a:prstGeom>
+            <a:ln w="38100">
+              <a:tailEnd type="triangle"/>
+            </a:ln>
+          </p:spPr>
+          <p:style>
+            <a:lnRef idx="3">
+              <a:schemeClr val="accent3"/>
+            </a:lnRef>
+            <a:fillRef idx="0">
+              <a:schemeClr val="accent3"/>
+            </a:fillRef>
+            <a:effectRef idx="2">
+              <a:schemeClr val="accent3"/>
+            </a:effectRef>
+            <a:fontRef idx="minor">
+              <a:schemeClr val="tx1"/>
+            </a:fontRef>
+          </p:style>
+        </p:cxnSp>
+        <p:cxnSp>
+          <p:nvCxnSpPr>
+            <p:cNvPr id="14" name="Straight Arrow Connector 13">
+              <a:extLst>
+                <a:ext uri="{FF2B5EF4-FFF2-40B4-BE49-F238E27FC236}">
+                  <a16:creationId xmlns:a16="http://schemas.microsoft.com/office/drawing/2014/main" id="{C2C60354-B0B1-4D12-B648-B76CE015E0A1}"/>
+                </a:ext>
+              </a:extLst>
+            </p:cNvPr>
+            <p:cNvCxnSpPr>
+              <a:cxnSpLocks/>
+            </p:cNvCxnSpPr>
+            <p:nvPr/>
+          </p:nvCxnSpPr>
+          <p:spPr>
+            <a:xfrm flipH="1">
+              <a:off x="4479405" y="2770909"/>
+              <a:ext cx="1" cy="658091"/>
+            </a:xfrm>
+            <a:prstGeom prst="straightConnector1">
+              <a:avLst/>
+            </a:prstGeom>
+            <a:ln>
+              <a:tailEnd type="triangle"/>
+            </a:ln>
+          </p:spPr>
+          <p:style>
+            <a:lnRef idx="3">
+              <a:schemeClr val="accent3"/>
+            </a:lnRef>
+            <a:fillRef idx="0">
+              <a:schemeClr val="accent3"/>
+            </a:fillRef>
+            <a:effectRef idx="2">
+              <a:schemeClr val="accent3"/>
+            </a:effectRef>
+            <a:fontRef idx="minor">
+              <a:schemeClr val="tx1"/>
+            </a:fontRef>
+          </p:style>
+        </p:cxnSp>
+        <p:cxnSp>
+          <p:nvCxnSpPr>
+            <p:cNvPr id="16" name="Connector: Elbow 15">
+              <a:extLst>
+                <a:ext uri="{FF2B5EF4-FFF2-40B4-BE49-F238E27FC236}">
+                  <a16:creationId xmlns:a16="http://schemas.microsoft.com/office/drawing/2014/main" id="{8CAC068F-2642-4598-A18E-D2F15126F581}"/>
+                </a:ext>
+              </a:extLst>
+            </p:cNvPr>
+            <p:cNvCxnSpPr>
+              <a:cxnSpLocks/>
+            </p:cNvCxnSpPr>
+            <p:nvPr/>
+          </p:nvCxnSpPr>
+          <p:spPr>
+            <a:xfrm>
+              <a:off x="4479404" y="3061855"/>
+              <a:ext cx="2955407" cy="367145"/>
+            </a:xfrm>
+            <a:prstGeom prst="bentConnector2">
+              <a:avLst/>
+            </a:prstGeom>
+            <a:ln w="38100">
+              <a:tailEnd type="triangle"/>
+            </a:ln>
+          </p:spPr>
+          <p:style>
+            <a:lnRef idx="3">
+              <a:schemeClr val="accent3"/>
+            </a:lnRef>
+            <a:fillRef idx="0">
+              <a:schemeClr val="accent3"/>
+            </a:fillRef>
+            <a:effectRef idx="2">
+              <a:schemeClr val="accent3"/>
+            </a:effectRef>
+            <a:fontRef idx="minor">
+              <a:schemeClr val="tx1"/>
+            </a:fontRef>
+          </p:style>
+        </p:cxnSp>
+      </p:grpSp>
+    </p:spTree>
+    <p:extLst>
+      <p:ext uri="{BB962C8B-B14F-4D97-AF65-F5344CB8AC3E}">
+        <p14:creationId xmlns:p14="http://schemas.microsoft.com/office/powerpoint/2010/main" val="41702972"/>
+      </p:ext>
+    </p:extLst>
+  </p:cSld>
+  <p:clrMapOvr>
+    <a:masterClrMapping/>
+  </p:clrMapOvr>
+  <p:transition spd="slow">
+    <p:push dir="u"/>
+  </p:transition>
+  <p:timing>
+    <p:tnLst>
+      <p:par>
+        <p:cTn id="1" dur="indefinite" restart="never" nodeType="tmRoot">
+          <p:childTnLst>
+            <p:seq concurrent="1" nextAc="seek">
+              <p:cTn id="2" dur="indefinite" nodeType="mainSeq">
+                <p:childTnLst>
+                  <p:par>
+                    <p:cTn id="3" fill="hold">
+                      <p:stCondLst>
+                        <p:cond delay="indefinite"/>
+                      </p:stCondLst>
+                      <p:childTnLst>
+                        <p:par>
+                          <p:cTn id="4" fill="hold">
+                            <p:stCondLst>
+                              <p:cond delay="0"/>
+                            </p:stCondLst>
+                            <p:childTnLst>
+                              <p:par>
+                                <p:cTn id="5" presetID="2" presetClass="entr" presetSubtype="4" fill="hold" nodeType="clickEffect">
+                                  <p:stCondLst>
+                                    <p:cond delay="0"/>
+                                  </p:stCondLst>
+                                  <p:childTnLst>
+                                    <p:set>
+                                      <p:cBhvr>
+                                        <p:cTn id="6" dur="1" fill="hold">
+                                          <p:stCondLst>
+                                            <p:cond delay="0"/>
+                                          </p:stCondLst>
+                                        </p:cTn>
+                                        <p:tgtEl>
+                                          <p:spTgt spid="23"/>
+                                        </p:tgtEl>
+                                        <p:attrNameLst>
+                                          <p:attrName>style.visibility</p:attrName>
+                                        </p:attrNameLst>
+                                      </p:cBhvr>
+                                      <p:to>
+                                        <p:strVal val="visible"/>
+                                      </p:to>
+                                    </p:set>
+                                    <p:anim calcmode="lin" valueType="num">
+                                      <p:cBhvr additive="base">
+                                        <p:cTn id="7" dur="500" fill="hold"/>
+                                        <p:tgtEl>
+                                          <p:spTgt spid="23"/>
+                                        </p:tgtEl>
+                                        <p:attrNameLst>
+                                          <p:attrName>ppt_x</p:attrName>
+                                        </p:attrNameLst>
+                                      </p:cBhvr>
+                                      <p:tavLst>
+                                        <p:tav tm="0">
+                                          <p:val>
+                                            <p:strVal val="#ppt_x"/>
+                                          </p:val>
+                                        </p:tav>
+                                        <p:tav tm="100000">
+                                          <p:val>
+                                            <p:strVal val="#ppt_x"/>
+                                          </p:val>
+                                        </p:tav>
+                                      </p:tavLst>
+                                    </p:anim>
+                                    <p:anim calcmode="lin" valueType="num">
+                                      <p:cBhvr additive="base">
+                                        <p:cTn id="8" dur="500" fill="hold"/>
+                                        <p:tgtEl>
+                                          <p:spTgt spid="23"/>
+                                        </p:tgtEl>
+                                        <p:attrNameLst>
+                                          <p:attrName>ppt_y</p:attrName>
+                                        </p:attrNameLst>
+                                      </p:cBhvr>
+                                      <p:tavLst>
+                                        <p:tav tm="0">
+                                          <p:val>
+                                            <p:strVal val="1+#ppt_h/2"/>
+                                          </p:val>
+                                        </p:tav>
+                                        <p:tav tm="100000">
+                                          <p:val>
+                                            <p:strVal val="#ppt_y"/>
+                                          </p:val>
+                                        </p:tav>
+                                      </p:tavLst>
+                                    </p:anim>
+                                  </p:childTnLst>
+                                </p:cTn>
+                              </p:par>
+                            </p:childTnLst>
+                          </p:cTn>
+                        </p:par>
+                      </p:childTnLst>
+                    </p:cTn>
+                  </p:par>
+                </p:childTnLst>
+              </p:cTn>
+              <p:prevCondLst>
+                <p:cond evt="onPrev" delay="0">
+                  <p:tgtEl>
+                    <p:sldTgt/>
+                  </p:tgtEl>
+                </p:cond>
+              </p:prevCondLst>
+              <p:nextCondLst>
+                <p:cond evt="onNext" delay="0">
+                  <p:tgtEl>
+                    <p:sldTgt/>
+                  </p:tgtEl>
+                </p:cond>
+              </p:nextCondLst>
+            </p:seq>
+          </p:childTnLst>
+        </p:cTn>
+      </p:par>
+    </p:tnLst>
+  </p:timing>
+</p:sld>
+</file>
+
+<file path=ppt/slides/slide11.xml><?xml version="1.0" encoding="utf-8"?>
+<p:sld xmlns:a="http://schemas.openxmlformats.org/drawingml/2006/main" xmlns:r="http://schemas.openxmlformats.org/officeDocument/2006/relationships" xmlns:p="http://schemas.openxmlformats.org/presentationml/2006/main">
+  <p:cSld>
+    <p:spTree>
+      <p:nvGrpSpPr>
+        <p:cNvPr id="1" name=""/>
+        <p:cNvGrpSpPr/>
+        <p:nvPr/>
+      </p:nvGrpSpPr>
+      <p:grpSpPr>
+        <a:xfrm>
+          <a:off x="0" y="0"/>
+          <a:ext cx="0" cy="0"/>
+          <a:chOff x="0" y="0"/>
+          <a:chExt cx="0" cy="0"/>
+        </a:xfrm>
+      </p:grpSpPr>
+      <p:sp>
+        <p:nvSpPr>
+          <p:cNvPr id="2" name="Title 1">
+            <a:extLst>
+              <a:ext uri="{FF2B5EF4-FFF2-40B4-BE49-F238E27FC236}">
+                <a16:creationId xmlns:a16="http://schemas.microsoft.com/office/drawing/2014/main" id="{27E44846-EE23-4B7D-B117-6BD3695FB65C}"/>
+              </a:ext>
+            </a:extLst>
+          </p:cNvPr>
+          <p:cNvSpPr>
+            <a:spLocks noGrp="1"/>
+          </p:cNvSpPr>
+          <p:nvPr>
+            <p:ph type="title"/>
+          </p:nvPr>
+        </p:nvSpPr>
+        <p:spPr/>
+        <p:txBody>
+          <a:bodyPr/>
+          <a:lstStyle/>
+          <a:p>
+            <a:r>
+              <a:rPr lang="en-GB" dirty="0"/>
               <a:t>Java primitive data types</a:t>
             </a:r>
           </a:p>
@@ -5058,7 +5742,7 @@
 </p:sld>
 </file>
 
-<file path=ppt/slides/slide11.xml><?xml version="1.0" encoding="utf-8"?>
+<file path=ppt/slides/slide12.xml><?xml version="1.0" encoding="utf-8"?>
 <p:sld xmlns:a="http://schemas.openxmlformats.org/drawingml/2006/main" xmlns:r="http://schemas.openxmlformats.org/officeDocument/2006/relationships" xmlns:p="http://schemas.openxmlformats.org/presentationml/2006/main">
   <p:cSld>
     <p:spTree>
@@ -5134,7 +5818,7 @@
 </p:sld>
 </file>
 
-<file path=ppt/slides/slide12.xml><?xml version="1.0" encoding="utf-8"?>
+<file path=ppt/slides/slide13.xml><?xml version="1.0" encoding="utf-8"?>
 <p:sld xmlns:a="http://schemas.openxmlformats.org/drawingml/2006/main" xmlns:r="http://schemas.openxmlformats.org/officeDocument/2006/relationships" xmlns:p="http://schemas.openxmlformats.org/presentationml/2006/main">
   <p:cSld>
     <p:spTree>
@@ -5910,7 +6594,7 @@
 </p:sld>
 </file>
 
-<file path=ppt/slides/slide13.xml><?xml version="1.0" encoding="utf-8"?>
+<file path=ppt/slides/slide14.xml><?xml version="1.0" encoding="utf-8"?>
 <p:sld xmlns:a="http://schemas.openxmlformats.org/drawingml/2006/main" xmlns:r="http://schemas.openxmlformats.org/officeDocument/2006/relationships" xmlns:p="http://schemas.openxmlformats.org/presentationml/2006/main">
   <p:cSld>
     <p:spTree>
@@ -6760,7 +7444,7 @@
 </p:sld>
 </file>
 
-<file path=ppt/slides/slide14.xml><?xml version="1.0" encoding="utf-8"?>
+<file path=ppt/slides/slide15.xml><?xml version="1.0" encoding="utf-8"?>
 <p:sld xmlns:a="http://schemas.openxmlformats.org/drawingml/2006/main" xmlns:r="http://schemas.openxmlformats.org/officeDocument/2006/relationships" xmlns:p="http://schemas.openxmlformats.org/presentationml/2006/main">
   <p:cSld>
     <p:spTree>
@@ -6836,7 +7520,7 @@
 </p:sld>
 </file>
 
-<file path=ppt/slides/slide15.xml><?xml version="1.0" encoding="utf-8"?>
+<file path=ppt/slides/slide16.xml><?xml version="1.0" encoding="utf-8"?>
 <p:sld xmlns:a="http://schemas.openxmlformats.org/drawingml/2006/main" xmlns:r="http://schemas.openxmlformats.org/officeDocument/2006/relationships" xmlns:p="http://schemas.openxmlformats.org/presentationml/2006/main">
   <p:cSld>
     <p:spTree>
@@ -7640,7 +8324,7 @@
 </p:sld>
 </file>
 
-<file path=ppt/slides/slide16.xml><?xml version="1.0" encoding="utf-8"?>
+<file path=ppt/slides/slide17.xml><?xml version="1.0" encoding="utf-8"?>
 <p:sld xmlns:a="http://schemas.openxmlformats.org/drawingml/2006/main" xmlns:r="http://schemas.openxmlformats.org/officeDocument/2006/relationships" xmlns:p="http://schemas.openxmlformats.org/presentationml/2006/main">
   <p:cSld>
     <p:spTree>
@@ -7716,7 +8400,7 @@
 </p:sld>
 </file>
 
-<file path=ppt/slides/slide17.xml><?xml version="1.0" encoding="utf-8"?>
+<file path=ppt/slides/slide18.xml><?xml version="1.0" encoding="utf-8"?>
 <p:sld xmlns:a="http://schemas.openxmlformats.org/drawingml/2006/main" xmlns:r="http://schemas.openxmlformats.org/officeDocument/2006/relationships" xmlns:p="http://schemas.openxmlformats.org/presentationml/2006/main">
   <p:cSld>
     <p:spTree>
@@ -8774,7 +9458,7 @@
 </p:sld>
 </file>
 
-<file path=ppt/slides/slide18.xml><?xml version="1.0" encoding="utf-8"?>
+<file path=ppt/slides/slide19.xml><?xml version="1.0" encoding="utf-8"?>
 <p:sld xmlns:a="http://schemas.openxmlformats.org/drawingml/2006/main" xmlns:r="http://schemas.openxmlformats.org/officeDocument/2006/relationships" xmlns:p="http://schemas.openxmlformats.org/presentationml/2006/main">
   <p:cSld>
     <p:spTree>
@@ -10873,7 +11557,809 @@
 </p:sld>
 </file>
 
-<file path=ppt/slides/slide19.xml><?xml version="1.0" encoding="utf-8"?>
+<file path=ppt/slides/slide2.xml><?xml version="1.0" encoding="utf-8"?>
+<p:sld xmlns:a="http://schemas.openxmlformats.org/drawingml/2006/main" xmlns:r="http://schemas.openxmlformats.org/officeDocument/2006/relationships" xmlns:p="http://schemas.openxmlformats.org/presentationml/2006/main">
+  <p:cSld>
+    <p:spTree>
+      <p:nvGrpSpPr>
+        <p:cNvPr id="1" name=""/>
+        <p:cNvGrpSpPr/>
+        <p:nvPr/>
+      </p:nvGrpSpPr>
+      <p:grpSpPr>
+        <a:xfrm>
+          <a:off x="0" y="0"/>
+          <a:ext cx="0" cy="0"/>
+          <a:chOff x="0" y="0"/>
+          <a:chExt cx="0" cy="0"/>
+        </a:xfrm>
+      </p:grpSpPr>
+      <p:sp>
+        <p:nvSpPr>
+          <p:cNvPr id="2" name="Title 1">
+            <a:extLst>
+              <a:ext uri="{FF2B5EF4-FFF2-40B4-BE49-F238E27FC236}">
+                <a16:creationId xmlns:a16="http://schemas.microsoft.com/office/drawing/2014/main" id="{7304BBA7-9D5E-4B9A-95AF-2E54F4B41C0E}"/>
+              </a:ext>
+            </a:extLst>
+          </p:cNvPr>
+          <p:cNvSpPr>
+            <a:spLocks noGrp="1"/>
+          </p:cNvSpPr>
+          <p:nvPr>
+            <p:ph type="title"/>
+          </p:nvPr>
+        </p:nvSpPr>
+        <p:spPr/>
+        <p:txBody>
+          <a:bodyPr/>
+          <a:lstStyle/>
+          <a:p>
+            <a:r>
+              <a:rPr lang="en-GB" dirty="0"/>
+              <a:t>Java Bootcamp Outline</a:t>
+            </a:r>
+          </a:p>
+        </p:txBody>
+      </p:sp>
+      <p:sp>
+        <p:nvSpPr>
+          <p:cNvPr id="3" name="Content Placeholder 2">
+            <a:extLst>
+              <a:ext uri="{FF2B5EF4-FFF2-40B4-BE49-F238E27FC236}">
+                <a16:creationId xmlns:a16="http://schemas.microsoft.com/office/drawing/2014/main" id="{3AB586B9-467B-4F63-B336-2E9D19321584}"/>
+              </a:ext>
+            </a:extLst>
+          </p:cNvPr>
+          <p:cNvSpPr>
+            <a:spLocks noGrp="1"/>
+          </p:cNvSpPr>
+          <p:nvPr>
+            <p:ph idx="1"/>
+          </p:nvPr>
+        </p:nvSpPr>
+        <p:spPr>
+          <a:xfrm>
+            <a:off x="822960" y="1845734"/>
+            <a:ext cx="7086600" cy="4023360"/>
+          </a:xfrm>
+        </p:spPr>
+        <p:txBody>
+          <a:bodyPr/>
+          <a:lstStyle/>
+          <a:p>
+            <a:pPr>
+              <a:buFont typeface="Wingdings" panose="05000000000000000000" pitchFamily="2" charset="2"/>
+              <a:buChar char="v"/>
+            </a:pPr>
+            <a:r>
+              <a:rPr lang="en-GB" dirty="0"/>
+              <a:t> Lesson 1 – Java Vs C++</a:t>
+            </a:r>
+          </a:p>
+          <a:p>
+            <a:pPr>
+              <a:buFont typeface="Wingdings" panose="05000000000000000000" pitchFamily="2" charset="2"/>
+              <a:buChar char="v"/>
+            </a:pPr>
+            <a:r>
+              <a:rPr lang="en-GB" dirty="0"/>
+              <a:t> Lesson 2 – Structured Programming in Java</a:t>
+            </a:r>
+          </a:p>
+          <a:p>
+            <a:pPr>
+              <a:buFont typeface="Wingdings" panose="05000000000000000000" pitchFamily="2" charset="2"/>
+              <a:buChar char="v"/>
+            </a:pPr>
+            <a:r>
+              <a:rPr lang="en-GB" dirty="0"/>
+              <a:t> Lesson 3 – Introduction to Object-oriented programming in Java</a:t>
+            </a:r>
+          </a:p>
+          <a:p>
+            <a:pPr>
+              <a:buFont typeface="Wingdings" panose="05000000000000000000" pitchFamily="2" charset="2"/>
+              <a:buChar char="v"/>
+            </a:pPr>
+            <a:r>
+              <a:rPr lang="en-GB" dirty="0"/>
+              <a:t> Lesson 4 – More OOP and Core Java language topics</a:t>
+            </a:r>
+          </a:p>
+          <a:p>
+            <a:pPr>
+              <a:buFont typeface="Wingdings" panose="05000000000000000000" pitchFamily="2" charset="2"/>
+              <a:buChar char="v"/>
+            </a:pPr>
+            <a:r>
+              <a:rPr lang="en-GB" dirty="0"/>
+              <a:t> Lesson 5 – Java Generics and Java Collections</a:t>
+            </a:r>
+          </a:p>
+          <a:p>
+            <a:pPr>
+              <a:buFont typeface="Wingdings" panose="05000000000000000000" pitchFamily="2" charset="2"/>
+              <a:buChar char="v"/>
+            </a:pPr>
+            <a:r>
+              <a:rPr lang="en-GB" dirty="0"/>
+              <a:t> Lesson 6 – GUI development and Exception Handling</a:t>
+            </a:r>
+          </a:p>
+          <a:p>
+            <a:endParaRPr lang="en-GB" dirty="0"/>
+          </a:p>
+        </p:txBody>
+      </p:sp>
+    </p:spTree>
+    <p:extLst>
+      <p:ext uri="{BB962C8B-B14F-4D97-AF65-F5344CB8AC3E}">
+        <p14:creationId xmlns:p14="http://schemas.microsoft.com/office/powerpoint/2010/main" val="129472628"/>
+      </p:ext>
+    </p:extLst>
+  </p:cSld>
+  <p:clrMapOvr>
+    <a:masterClrMapping/>
+  </p:clrMapOvr>
+  <p:transition spd="slow">
+    <p:push dir="u"/>
+  </p:transition>
+  <p:timing>
+    <p:tnLst>
+      <p:par>
+        <p:cTn id="1" dur="indefinite" restart="never" nodeType="tmRoot">
+          <p:childTnLst>
+            <p:seq concurrent="1" nextAc="seek">
+              <p:cTn id="2" dur="indefinite" nodeType="mainSeq">
+                <p:childTnLst>
+                  <p:par>
+                    <p:cTn id="3" fill="hold">
+                      <p:stCondLst>
+                        <p:cond delay="indefinite"/>
+                      </p:stCondLst>
+                      <p:childTnLst>
+                        <p:par>
+                          <p:cTn id="4" fill="hold">
+                            <p:stCondLst>
+                              <p:cond delay="0"/>
+                            </p:stCondLst>
+                            <p:childTnLst>
+                              <p:par>
+                                <p:cTn id="5" presetID="2" presetClass="entr" presetSubtype="4" fill="hold" grpId="0" nodeType="clickEffect">
+                                  <p:stCondLst>
+                                    <p:cond delay="0"/>
+                                  </p:stCondLst>
+                                  <p:childTnLst>
+                                    <p:set>
+                                      <p:cBhvr>
+                                        <p:cTn id="6" dur="1" fill="hold">
+                                          <p:stCondLst>
+                                            <p:cond delay="0"/>
+                                          </p:stCondLst>
+                                        </p:cTn>
+                                        <p:tgtEl>
+                                          <p:spTgt spid="3">
+                                            <p:txEl>
+                                              <p:pRg st="0" end="0"/>
+                                            </p:txEl>
+                                          </p:spTgt>
+                                        </p:tgtEl>
+                                        <p:attrNameLst>
+                                          <p:attrName>style.visibility</p:attrName>
+                                        </p:attrNameLst>
+                                      </p:cBhvr>
+                                      <p:to>
+                                        <p:strVal val="visible"/>
+                                      </p:to>
+                                    </p:set>
+                                    <p:anim calcmode="lin" valueType="num">
+                                      <p:cBhvr additive="base">
+                                        <p:cTn id="7" dur="500" fill="hold"/>
+                                        <p:tgtEl>
+                                          <p:spTgt spid="3">
+                                            <p:txEl>
+                                              <p:pRg st="0" end="0"/>
+                                            </p:txEl>
+                                          </p:spTgt>
+                                        </p:tgtEl>
+                                        <p:attrNameLst>
+                                          <p:attrName>ppt_x</p:attrName>
+                                        </p:attrNameLst>
+                                      </p:cBhvr>
+                                      <p:tavLst>
+                                        <p:tav tm="0">
+                                          <p:val>
+                                            <p:strVal val="#ppt_x"/>
+                                          </p:val>
+                                        </p:tav>
+                                        <p:tav tm="100000">
+                                          <p:val>
+                                            <p:strVal val="#ppt_x"/>
+                                          </p:val>
+                                        </p:tav>
+                                      </p:tavLst>
+                                    </p:anim>
+                                    <p:anim calcmode="lin" valueType="num">
+                                      <p:cBhvr additive="base">
+                                        <p:cTn id="8" dur="500" fill="hold"/>
+                                        <p:tgtEl>
+                                          <p:spTgt spid="3">
+                                            <p:txEl>
+                                              <p:pRg st="0" end="0"/>
+                                            </p:txEl>
+                                          </p:spTgt>
+                                        </p:tgtEl>
+                                        <p:attrNameLst>
+                                          <p:attrName>ppt_y</p:attrName>
+                                        </p:attrNameLst>
+                                      </p:cBhvr>
+                                      <p:tavLst>
+                                        <p:tav tm="0">
+                                          <p:val>
+                                            <p:strVal val="1+#ppt_h/2"/>
+                                          </p:val>
+                                        </p:tav>
+                                        <p:tav tm="100000">
+                                          <p:val>
+                                            <p:strVal val="#ppt_y"/>
+                                          </p:val>
+                                        </p:tav>
+                                      </p:tavLst>
+                                    </p:anim>
+                                  </p:childTnLst>
+                                </p:cTn>
+                              </p:par>
+                            </p:childTnLst>
+                          </p:cTn>
+                        </p:par>
+                      </p:childTnLst>
+                    </p:cTn>
+                  </p:par>
+                  <p:par>
+                    <p:cTn id="9" fill="hold">
+                      <p:stCondLst>
+                        <p:cond delay="indefinite"/>
+                      </p:stCondLst>
+                      <p:childTnLst>
+                        <p:par>
+                          <p:cTn id="10" fill="hold">
+                            <p:stCondLst>
+                              <p:cond delay="0"/>
+                            </p:stCondLst>
+                            <p:childTnLst>
+                              <p:par>
+                                <p:cTn id="11" presetID="2" presetClass="entr" presetSubtype="4" fill="hold" grpId="0" nodeType="clickEffect">
+                                  <p:stCondLst>
+                                    <p:cond delay="0"/>
+                                  </p:stCondLst>
+                                  <p:childTnLst>
+                                    <p:set>
+                                      <p:cBhvr>
+                                        <p:cTn id="12" dur="1" fill="hold">
+                                          <p:stCondLst>
+                                            <p:cond delay="0"/>
+                                          </p:stCondLst>
+                                        </p:cTn>
+                                        <p:tgtEl>
+                                          <p:spTgt spid="3">
+                                            <p:txEl>
+                                              <p:pRg st="1" end="1"/>
+                                            </p:txEl>
+                                          </p:spTgt>
+                                        </p:tgtEl>
+                                        <p:attrNameLst>
+                                          <p:attrName>style.visibility</p:attrName>
+                                        </p:attrNameLst>
+                                      </p:cBhvr>
+                                      <p:to>
+                                        <p:strVal val="visible"/>
+                                      </p:to>
+                                    </p:set>
+                                    <p:anim calcmode="lin" valueType="num">
+                                      <p:cBhvr additive="base">
+                                        <p:cTn id="13" dur="500" fill="hold"/>
+                                        <p:tgtEl>
+                                          <p:spTgt spid="3">
+                                            <p:txEl>
+                                              <p:pRg st="1" end="1"/>
+                                            </p:txEl>
+                                          </p:spTgt>
+                                        </p:tgtEl>
+                                        <p:attrNameLst>
+                                          <p:attrName>ppt_x</p:attrName>
+                                        </p:attrNameLst>
+                                      </p:cBhvr>
+                                      <p:tavLst>
+                                        <p:tav tm="0">
+                                          <p:val>
+                                            <p:strVal val="#ppt_x"/>
+                                          </p:val>
+                                        </p:tav>
+                                        <p:tav tm="100000">
+                                          <p:val>
+                                            <p:strVal val="#ppt_x"/>
+                                          </p:val>
+                                        </p:tav>
+                                      </p:tavLst>
+                                    </p:anim>
+                                    <p:anim calcmode="lin" valueType="num">
+                                      <p:cBhvr additive="base">
+                                        <p:cTn id="14" dur="500" fill="hold"/>
+                                        <p:tgtEl>
+                                          <p:spTgt spid="3">
+                                            <p:txEl>
+                                              <p:pRg st="1" end="1"/>
+                                            </p:txEl>
+                                          </p:spTgt>
+                                        </p:tgtEl>
+                                        <p:attrNameLst>
+                                          <p:attrName>ppt_y</p:attrName>
+                                        </p:attrNameLst>
+                                      </p:cBhvr>
+                                      <p:tavLst>
+                                        <p:tav tm="0">
+                                          <p:val>
+                                            <p:strVal val="1+#ppt_h/2"/>
+                                          </p:val>
+                                        </p:tav>
+                                        <p:tav tm="100000">
+                                          <p:val>
+                                            <p:strVal val="#ppt_y"/>
+                                          </p:val>
+                                        </p:tav>
+                                      </p:tavLst>
+                                    </p:anim>
+                                  </p:childTnLst>
+                                </p:cTn>
+                              </p:par>
+                            </p:childTnLst>
+                          </p:cTn>
+                        </p:par>
+                      </p:childTnLst>
+                    </p:cTn>
+                  </p:par>
+                  <p:par>
+                    <p:cTn id="15" fill="hold">
+                      <p:stCondLst>
+                        <p:cond delay="indefinite"/>
+                      </p:stCondLst>
+                      <p:childTnLst>
+                        <p:par>
+                          <p:cTn id="16" fill="hold">
+                            <p:stCondLst>
+                              <p:cond delay="0"/>
+                            </p:stCondLst>
+                            <p:childTnLst>
+                              <p:par>
+                                <p:cTn id="17" presetID="2" presetClass="entr" presetSubtype="4" fill="hold" grpId="0" nodeType="clickEffect">
+                                  <p:stCondLst>
+                                    <p:cond delay="0"/>
+                                  </p:stCondLst>
+                                  <p:childTnLst>
+                                    <p:set>
+                                      <p:cBhvr>
+                                        <p:cTn id="18" dur="1" fill="hold">
+                                          <p:stCondLst>
+                                            <p:cond delay="0"/>
+                                          </p:stCondLst>
+                                        </p:cTn>
+                                        <p:tgtEl>
+                                          <p:spTgt spid="3">
+                                            <p:txEl>
+                                              <p:pRg st="2" end="2"/>
+                                            </p:txEl>
+                                          </p:spTgt>
+                                        </p:tgtEl>
+                                        <p:attrNameLst>
+                                          <p:attrName>style.visibility</p:attrName>
+                                        </p:attrNameLst>
+                                      </p:cBhvr>
+                                      <p:to>
+                                        <p:strVal val="visible"/>
+                                      </p:to>
+                                    </p:set>
+                                    <p:anim calcmode="lin" valueType="num">
+                                      <p:cBhvr additive="base">
+                                        <p:cTn id="19" dur="500" fill="hold"/>
+                                        <p:tgtEl>
+                                          <p:spTgt spid="3">
+                                            <p:txEl>
+                                              <p:pRg st="2" end="2"/>
+                                            </p:txEl>
+                                          </p:spTgt>
+                                        </p:tgtEl>
+                                        <p:attrNameLst>
+                                          <p:attrName>ppt_x</p:attrName>
+                                        </p:attrNameLst>
+                                      </p:cBhvr>
+                                      <p:tavLst>
+                                        <p:tav tm="0">
+                                          <p:val>
+                                            <p:strVal val="#ppt_x"/>
+                                          </p:val>
+                                        </p:tav>
+                                        <p:tav tm="100000">
+                                          <p:val>
+                                            <p:strVal val="#ppt_x"/>
+                                          </p:val>
+                                        </p:tav>
+                                      </p:tavLst>
+                                    </p:anim>
+                                    <p:anim calcmode="lin" valueType="num">
+                                      <p:cBhvr additive="base">
+                                        <p:cTn id="20" dur="500" fill="hold"/>
+                                        <p:tgtEl>
+                                          <p:spTgt spid="3">
+                                            <p:txEl>
+                                              <p:pRg st="2" end="2"/>
+                                            </p:txEl>
+                                          </p:spTgt>
+                                        </p:tgtEl>
+                                        <p:attrNameLst>
+                                          <p:attrName>ppt_y</p:attrName>
+                                        </p:attrNameLst>
+                                      </p:cBhvr>
+                                      <p:tavLst>
+                                        <p:tav tm="0">
+                                          <p:val>
+                                            <p:strVal val="1+#ppt_h/2"/>
+                                          </p:val>
+                                        </p:tav>
+                                        <p:tav tm="100000">
+                                          <p:val>
+                                            <p:strVal val="#ppt_y"/>
+                                          </p:val>
+                                        </p:tav>
+                                      </p:tavLst>
+                                    </p:anim>
+                                  </p:childTnLst>
+                                </p:cTn>
+                              </p:par>
+                            </p:childTnLst>
+                          </p:cTn>
+                        </p:par>
+                      </p:childTnLst>
+                    </p:cTn>
+                  </p:par>
+                  <p:par>
+                    <p:cTn id="21" fill="hold">
+                      <p:stCondLst>
+                        <p:cond delay="indefinite"/>
+                      </p:stCondLst>
+                      <p:childTnLst>
+                        <p:par>
+                          <p:cTn id="22" fill="hold">
+                            <p:stCondLst>
+                              <p:cond delay="0"/>
+                            </p:stCondLst>
+                            <p:childTnLst>
+                              <p:par>
+                                <p:cTn id="23" presetID="2" presetClass="entr" presetSubtype="4" fill="hold" grpId="0" nodeType="clickEffect">
+                                  <p:stCondLst>
+                                    <p:cond delay="0"/>
+                                  </p:stCondLst>
+                                  <p:childTnLst>
+                                    <p:set>
+                                      <p:cBhvr>
+                                        <p:cTn id="24" dur="1" fill="hold">
+                                          <p:stCondLst>
+                                            <p:cond delay="0"/>
+                                          </p:stCondLst>
+                                        </p:cTn>
+                                        <p:tgtEl>
+                                          <p:spTgt spid="3">
+                                            <p:txEl>
+                                              <p:pRg st="3" end="3"/>
+                                            </p:txEl>
+                                          </p:spTgt>
+                                        </p:tgtEl>
+                                        <p:attrNameLst>
+                                          <p:attrName>style.visibility</p:attrName>
+                                        </p:attrNameLst>
+                                      </p:cBhvr>
+                                      <p:to>
+                                        <p:strVal val="visible"/>
+                                      </p:to>
+                                    </p:set>
+                                    <p:anim calcmode="lin" valueType="num">
+                                      <p:cBhvr additive="base">
+                                        <p:cTn id="25" dur="500" fill="hold"/>
+                                        <p:tgtEl>
+                                          <p:spTgt spid="3">
+                                            <p:txEl>
+                                              <p:pRg st="3" end="3"/>
+                                            </p:txEl>
+                                          </p:spTgt>
+                                        </p:tgtEl>
+                                        <p:attrNameLst>
+                                          <p:attrName>ppt_x</p:attrName>
+                                        </p:attrNameLst>
+                                      </p:cBhvr>
+                                      <p:tavLst>
+                                        <p:tav tm="0">
+                                          <p:val>
+                                            <p:strVal val="#ppt_x"/>
+                                          </p:val>
+                                        </p:tav>
+                                        <p:tav tm="100000">
+                                          <p:val>
+                                            <p:strVal val="#ppt_x"/>
+                                          </p:val>
+                                        </p:tav>
+                                      </p:tavLst>
+                                    </p:anim>
+                                    <p:anim calcmode="lin" valueType="num">
+                                      <p:cBhvr additive="base">
+                                        <p:cTn id="26" dur="500" fill="hold"/>
+                                        <p:tgtEl>
+                                          <p:spTgt spid="3">
+                                            <p:txEl>
+                                              <p:pRg st="3" end="3"/>
+                                            </p:txEl>
+                                          </p:spTgt>
+                                        </p:tgtEl>
+                                        <p:attrNameLst>
+                                          <p:attrName>ppt_y</p:attrName>
+                                        </p:attrNameLst>
+                                      </p:cBhvr>
+                                      <p:tavLst>
+                                        <p:tav tm="0">
+                                          <p:val>
+                                            <p:strVal val="1+#ppt_h/2"/>
+                                          </p:val>
+                                        </p:tav>
+                                        <p:tav tm="100000">
+                                          <p:val>
+                                            <p:strVal val="#ppt_y"/>
+                                          </p:val>
+                                        </p:tav>
+                                      </p:tavLst>
+                                    </p:anim>
+                                  </p:childTnLst>
+                                </p:cTn>
+                              </p:par>
+                            </p:childTnLst>
+                          </p:cTn>
+                        </p:par>
+                      </p:childTnLst>
+                    </p:cTn>
+                  </p:par>
+                  <p:par>
+                    <p:cTn id="27" fill="hold">
+                      <p:stCondLst>
+                        <p:cond delay="indefinite"/>
+                      </p:stCondLst>
+                      <p:childTnLst>
+                        <p:par>
+                          <p:cTn id="28" fill="hold">
+                            <p:stCondLst>
+                              <p:cond delay="0"/>
+                            </p:stCondLst>
+                            <p:childTnLst>
+                              <p:par>
+                                <p:cTn id="29" presetID="2" presetClass="entr" presetSubtype="4" fill="hold" grpId="0" nodeType="clickEffect">
+                                  <p:stCondLst>
+                                    <p:cond delay="0"/>
+                                  </p:stCondLst>
+                                  <p:childTnLst>
+                                    <p:set>
+                                      <p:cBhvr>
+                                        <p:cTn id="30" dur="1" fill="hold">
+                                          <p:stCondLst>
+                                            <p:cond delay="0"/>
+                                          </p:stCondLst>
+                                        </p:cTn>
+                                        <p:tgtEl>
+                                          <p:spTgt spid="3">
+                                            <p:txEl>
+                                              <p:pRg st="4" end="4"/>
+                                            </p:txEl>
+                                          </p:spTgt>
+                                        </p:tgtEl>
+                                        <p:attrNameLst>
+                                          <p:attrName>style.visibility</p:attrName>
+                                        </p:attrNameLst>
+                                      </p:cBhvr>
+                                      <p:to>
+                                        <p:strVal val="visible"/>
+                                      </p:to>
+                                    </p:set>
+                                    <p:anim calcmode="lin" valueType="num">
+                                      <p:cBhvr additive="base">
+                                        <p:cTn id="31" dur="500" fill="hold"/>
+                                        <p:tgtEl>
+                                          <p:spTgt spid="3">
+                                            <p:txEl>
+                                              <p:pRg st="4" end="4"/>
+                                            </p:txEl>
+                                          </p:spTgt>
+                                        </p:tgtEl>
+                                        <p:attrNameLst>
+                                          <p:attrName>ppt_x</p:attrName>
+                                        </p:attrNameLst>
+                                      </p:cBhvr>
+                                      <p:tavLst>
+                                        <p:tav tm="0">
+                                          <p:val>
+                                            <p:strVal val="#ppt_x"/>
+                                          </p:val>
+                                        </p:tav>
+                                        <p:tav tm="100000">
+                                          <p:val>
+                                            <p:strVal val="#ppt_x"/>
+                                          </p:val>
+                                        </p:tav>
+                                      </p:tavLst>
+                                    </p:anim>
+                                    <p:anim calcmode="lin" valueType="num">
+                                      <p:cBhvr additive="base">
+                                        <p:cTn id="32" dur="500" fill="hold"/>
+                                        <p:tgtEl>
+                                          <p:spTgt spid="3">
+                                            <p:txEl>
+                                              <p:pRg st="4" end="4"/>
+                                            </p:txEl>
+                                          </p:spTgt>
+                                        </p:tgtEl>
+                                        <p:attrNameLst>
+                                          <p:attrName>ppt_y</p:attrName>
+                                        </p:attrNameLst>
+                                      </p:cBhvr>
+                                      <p:tavLst>
+                                        <p:tav tm="0">
+                                          <p:val>
+                                            <p:strVal val="1+#ppt_h/2"/>
+                                          </p:val>
+                                        </p:tav>
+                                        <p:tav tm="100000">
+                                          <p:val>
+                                            <p:strVal val="#ppt_y"/>
+                                          </p:val>
+                                        </p:tav>
+                                      </p:tavLst>
+                                    </p:anim>
+                                  </p:childTnLst>
+                                </p:cTn>
+                              </p:par>
+                            </p:childTnLst>
+                          </p:cTn>
+                        </p:par>
+                      </p:childTnLst>
+                    </p:cTn>
+                  </p:par>
+                  <p:par>
+                    <p:cTn id="33" fill="hold">
+                      <p:stCondLst>
+                        <p:cond delay="indefinite"/>
+                      </p:stCondLst>
+                      <p:childTnLst>
+                        <p:par>
+                          <p:cTn id="34" fill="hold">
+                            <p:stCondLst>
+                              <p:cond delay="0"/>
+                            </p:stCondLst>
+                            <p:childTnLst>
+                              <p:par>
+                                <p:cTn id="35" presetID="2" presetClass="entr" presetSubtype="4" fill="hold" grpId="0" nodeType="clickEffect">
+                                  <p:stCondLst>
+                                    <p:cond delay="0"/>
+                                  </p:stCondLst>
+                                  <p:childTnLst>
+                                    <p:set>
+                                      <p:cBhvr>
+                                        <p:cTn id="36" dur="1" fill="hold">
+                                          <p:stCondLst>
+                                            <p:cond delay="0"/>
+                                          </p:stCondLst>
+                                        </p:cTn>
+                                        <p:tgtEl>
+                                          <p:spTgt spid="3">
+                                            <p:txEl>
+                                              <p:pRg st="5" end="5"/>
+                                            </p:txEl>
+                                          </p:spTgt>
+                                        </p:tgtEl>
+                                        <p:attrNameLst>
+                                          <p:attrName>style.visibility</p:attrName>
+                                        </p:attrNameLst>
+                                      </p:cBhvr>
+                                      <p:to>
+                                        <p:strVal val="visible"/>
+                                      </p:to>
+                                    </p:set>
+                                    <p:anim calcmode="lin" valueType="num">
+                                      <p:cBhvr additive="base">
+                                        <p:cTn id="37" dur="500" fill="hold"/>
+                                        <p:tgtEl>
+                                          <p:spTgt spid="3">
+                                            <p:txEl>
+                                              <p:pRg st="5" end="5"/>
+                                            </p:txEl>
+                                          </p:spTgt>
+                                        </p:tgtEl>
+                                        <p:attrNameLst>
+                                          <p:attrName>ppt_x</p:attrName>
+                                        </p:attrNameLst>
+                                      </p:cBhvr>
+                                      <p:tavLst>
+                                        <p:tav tm="0">
+                                          <p:val>
+                                            <p:strVal val="#ppt_x"/>
+                                          </p:val>
+                                        </p:tav>
+                                        <p:tav tm="100000">
+                                          <p:val>
+                                            <p:strVal val="#ppt_x"/>
+                                          </p:val>
+                                        </p:tav>
+                                      </p:tavLst>
+                                    </p:anim>
+                                    <p:anim calcmode="lin" valueType="num">
+                                      <p:cBhvr additive="base">
+                                        <p:cTn id="38" dur="500" fill="hold"/>
+                                        <p:tgtEl>
+                                          <p:spTgt spid="3">
+                                            <p:txEl>
+                                              <p:pRg st="5" end="5"/>
+                                            </p:txEl>
+                                          </p:spTgt>
+                                        </p:tgtEl>
+                                        <p:attrNameLst>
+                                          <p:attrName>ppt_y</p:attrName>
+                                        </p:attrNameLst>
+                                      </p:cBhvr>
+                                      <p:tavLst>
+                                        <p:tav tm="0">
+                                          <p:val>
+                                            <p:strVal val="1+#ppt_h/2"/>
+                                          </p:val>
+                                        </p:tav>
+                                        <p:tav tm="100000">
+                                          <p:val>
+                                            <p:strVal val="#ppt_y"/>
+                                          </p:val>
+                                        </p:tav>
+                                      </p:tavLst>
+                                    </p:anim>
+                                  </p:childTnLst>
+                                </p:cTn>
+                              </p:par>
+                            </p:childTnLst>
+                          </p:cTn>
+                        </p:par>
+                      </p:childTnLst>
+                    </p:cTn>
+                  </p:par>
+                </p:childTnLst>
+              </p:cTn>
+              <p:prevCondLst>
+                <p:cond evt="onPrev" delay="0">
+                  <p:tgtEl>
+                    <p:sldTgt/>
+                  </p:tgtEl>
+                </p:cond>
+              </p:prevCondLst>
+              <p:nextCondLst>
+                <p:cond evt="onNext" delay="0">
+                  <p:tgtEl>
+                    <p:sldTgt/>
+                  </p:tgtEl>
+                </p:cond>
+              </p:nextCondLst>
+            </p:seq>
+          </p:childTnLst>
+        </p:cTn>
+      </p:par>
+    </p:tnLst>
+    <p:bldLst>
+      <p:bldP spid="3" grpId="0" build="p"/>
+    </p:bldLst>
+  </p:timing>
+</p:sld>
+</file>
+
+<file path=ppt/slides/slide20.xml><?xml version="1.0" encoding="utf-8"?>
 <p:sld xmlns:a="http://schemas.openxmlformats.org/drawingml/2006/main" xmlns:r="http://schemas.openxmlformats.org/officeDocument/2006/relationships" xmlns:p="http://schemas.openxmlformats.org/presentationml/2006/main">
   <p:cSld>
     <p:spTree>
@@ -12259,809 +13745,7 @@
 </p:sld>
 </file>
 
-<file path=ppt/slides/slide2.xml><?xml version="1.0" encoding="utf-8"?>
-<p:sld xmlns:a="http://schemas.openxmlformats.org/drawingml/2006/main" xmlns:r="http://schemas.openxmlformats.org/officeDocument/2006/relationships" xmlns:p="http://schemas.openxmlformats.org/presentationml/2006/main">
-  <p:cSld>
-    <p:spTree>
-      <p:nvGrpSpPr>
-        <p:cNvPr id="1" name=""/>
-        <p:cNvGrpSpPr/>
-        <p:nvPr/>
-      </p:nvGrpSpPr>
-      <p:grpSpPr>
-        <a:xfrm>
-          <a:off x="0" y="0"/>
-          <a:ext cx="0" cy="0"/>
-          <a:chOff x="0" y="0"/>
-          <a:chExt cx="0" cy="0"/>
-        </a:xfrm>
-      </p:grpSpPr>
-      <p:sp>
-        <p:nvSpPr>
-          <p:cNvPr id="2" name="Title 1">
-            <a:extLst>
-              <a:ext uri="{FF2B5EF4-FFF2-40B4-BE49-F238E27FC236}">
-                <a16:creationId xmlns:a16="http://schemas.microsoft.com/office/drawing/2014/main" id="{7304BBA7-9D5E-4B9A-95AF-2E54F4B41C0E}"/>
-              </a:ext>
-            </a:extLst>
-          </p:cNvPr>
-          <p:cNvSpPr>
-            <a:spLocks noGrp="1"/>
-          </p:cNvSpPr>
-          <p:nvPr>
-            <p:ph type="title"/>
-          </p:nvPr>
-        </p:nvSpPr>
-        <p:spPr/>
-        <p:txBody>
-          <a:bodyPr/>
-          <a:lstStyle/>
-          <a:p>
-            <a:r>
-              <a:rPr lang="en-GB" dirty="0"/>
-              <a:t>Java Bootcamp Outline</a:t>
-            </a:r>
-          </a:p>
-        </p:txBody>
-      </p:sp>
-      <p:sp>
-        <p:nvSpPr>
-          <p:cNvPr id="3" name="Content Placeholder 2">
-            <a:extLst>
-              <a:ext uri="{FF2B5EF4-FFF2-40B4-BE49-F238E27FC236}">
-                <a16:creationId xmlns:a16="http://schemas.microsoft.com/office/drawing/2014/main" id="{3AB586B9-467B-4F63-B336-2E9D19321584}"/>
-              </a:ext>
-            </a:extLst>
-          </p:cNvPr>
-          <p:cNvSpPr>
-            <a:spLocks noGrp="1"/>
-          </p:cNvSpPr>
-          <p:nvPr>
-            <p:ph idx="1"/>
-          </p:nvPr>
-        </p:nvSpPr>
-        <p:spPr>
-          <a:xfrm>
-            <a:off x="822960" y="1845734"/>
-            <a:ext cx="7086600" cy="4023360"/>
-          </a:xfrm>
-        </p:spPr>
-        <p:txBody>
-          <a:bodyPr/>
-          <a:lstStyle/>
-          <a:p>
-            <a:pPr>
-              <a:buFont typeface="Wingdings" panose="05000000000000000000" pitchFamily="2" charset="2"/>
-              <a:buChar char="v"/>
-            </a:pPr>
-            <a:r>
-              <a:rPr lang="en-GB" dirty="0"/>
-              <a:t> Lesson 1 – Java Vs C++</a:t>
-            </a:r>
-          </a:p>
-          <a:p>
-            <a:pPr>
-              <a:buFont typeface="Wingdings" panose="05000000000000000000" pitchFamily="2" charset="2"/>
-              <a:buChar char="v"/>
-            </a:pPr>
-            <a:r>
-              <a:rPr lang="en-GB" dirty="0"/>
-              <a:t> Lesson 2 – Structured Programming in Java</a:t>
-            </a:r>
-          </a:p>
-          <a:p>
-            <a:pPr>
-              <a:buFont typeface="Wingdings" panose="05000000000000000000" pitchFamily="2" charset="2"/>
-              <a:buChar char="v"/>
-            </a:pPr>
-            <a:r>
-              <a:rPr lang="en-GB" dirty="0"/>
-              <a:t> Lesson 3 – Introduction to Object-oriented programming in Java</a:t>
-            </a:r>
-          </a:p>
-          <a:p>
-            <a:pPr>
-              <a:buFont typeface="Wingdings" panose="05000000000000000000" pitchFamily="2" charset="2"/>
-              <a:buChar char="v"/>
-            </a:pPr>
-            <a:r>
-              <a:rPr lang="en-GB" dirty="0"/>
-              <a:t> Lesson 4 – More OOP and Core Java language topics</a:t>
-            </a:r>
-          </a:p>
-          <a:p>
-            <a:pPr>
-              <a:buFont typeface="Wingdings" panose="05000000000000000000" pitchFamily="2" charset="2"/>
-              <a:buChar char="v"/>
-            </a:pPr>
-            <a:r>
-              <a:rPr lang="en-GB" dirty="0"/>
-              <a:t> Lesson 5 – Java Generics and Java Collections</a:t>
-            </a:r>
-          </a:p>
-          <a:p>
-            <a:pPr>
-              <a:buFont typeface="Wingdings" panose="05000000000000000000" pitchFamily="2" charset="2"/>
-              <a:buChar char="v"/>
-            </a:pPr>
-            <a:r>
-              <a:rPr lang="en-GB" dirty="0"/>
-              <a:t> Lesson 6 – GUI development and Exception Handling</a:t>
-            </a:r>
-          </a:p>
-          <a:p>
-            <a:endParaRPr lang="en-GB" dirty="0"/>
-          </a:p>
-        </p:txBody>
-      </p:sp>
-    </p:spTree>
-    <p:extLst>
-      <p:ext uri="{BB962C8B-B14F-4D97-AF65-F5344CB8AC3E}">
-        <p14:creationId xmlns:p14="http://schemas.microsoft.com/office/powerpoint/2010/main" val="129472628"/>
-      </p:ext>
-    </p:extLst>
-  </p:cSld>
-  <p:clrMapOvr>
-    <a:masterClrMapping/>
-  </p:clrMapOvr>
-  <p:transition spd="slow">
-    <p:push dir="u"/>
-  </p:transition>
-  <p:timing>
-    <p:tnLst>
-      <p:par>
-        <p:cTn id="1" dur="indefinite" restart="never" nodeType="tmRoot">
-          <p:childTnLst>
-            <p:seq concurrent="1" nextAc="seek">
-              <p:cTn id="2" dur="indefinite" nodeType="mainSeq">
-                <p:childTnLst>
-                  <p:par>
-                    <p:cTn id="3" fill="hold">
-                      <p:stCondLst>
-                        <p:cond delay="indefinite"/>
-                      </p:stCondLst>
-                      <p:childTnLst>
-                        <p:par>
-                          <p:cTn id="4" fill="hold">
-                            <p:stCondLst>
-                              <p:cond delay="0"/>
-                            </p:stCondLst>
-                            <p:childTnLst>
-                              <p:par>
-                                <p:cTn id="5" presetID="2" presetClass="entr" presetSubtype="4" fill="hold" grpId="0" nodeType="clickEffect">
-                                  <p:stCondLst>
-                                    <p:cond delay="0"/>
-                                  </p:stCondLst>
-                                  <p:childTnLst>
-                                    <p:set>
-                                      <p:cBhvr>
-                                        <p:cTn id="6" dur="1" fill="hold">
-                                          <p:stCondLst>
-                                            <p:cond delay="0"/>
-                                          </p:stCondLst>
-                                        </p:cTn>
-                                        <p:tgtEl>
-                                          <p:spTgt spid="3">
-                                            <p:txEl>
-                                              <p:pRg st="0" end="0"/>
-                                            </p:txEl>
-                                          </p:spTgt>
-                                        </p:tgtEl>
-                                        <p:attrNameLst>
-                                          <p:attrName>style.visibility</p:attrName>
-                                        </p:attrNameLst>
-                                      </p:cBhvr>
-                                      <p:to>
-                                        <p:strVal val="visible"/>
-                                      </p:to>
-                                    </p:set>
-                                    <p:anim calcmode="lin" valueType="num">
-                                      <p:cBhvr additive="base">
-                                        <p:cTn id="7" dur="500" fill="hold"/>
-                                        <p:tgtEl>
-                                          <p:spTgt spid="3">
-                                            <p:txEl>
-                                              <p:pRg st="0" end="0"/>
-                                            </p:txEl>
-                                          </p:spTgt>
-                                        </p:tgtEl>
-                                        <p:attrNameLst>
-                                          <p:attrName>ppt_x</p:attrName>
-                                        </p:attrNameLst>
-                                      </p:cBhvr>
-                                      <p:tavLst>
-                                        <p:tav tm="0">
-                                          <p:val>
-                                            <p:strVal val="#ppt_x"/>
-                                          </p:val>
-                                        </p:tav>
-                                        <p:tav tm="100000">
-                                          <p:val>
-                                            <p:strVal val="#ppt_x"/>
-                                          </p:val>
-                                        </p:tav>
-                                      </p:tavLst>
-                                    </p:anim>
-                                    <p:anim calcmode="lin" valueType="num">
-                                      <p:cBhvr additive="base">
-                                        <p:cTn id="8" dur="500" fill="hold"/>
-                                        <p:tgtEl>
-                                          <p:spTgt spid="3">
-                                            <p:txEl>
-                                              <p:pRg st="0" end="0"/>
-                                            </p:txEl>
-                                          </p:spTgt>
-                                        </p:tgtEl>
-                                        <p:attrNameLst>
-                                          <p:attrName>ppt_y</p:attrName>
-                                        </p:attrNameLst>
-                                      </p:cBhvr>
-                                      <p:tavLst>
-                                        <p:tav tm="0">
-                                          <p:val>
-                                            <p:strVal val="1+#ppt_h/2"/>
-                                          </p:val>
-                                        </p:tav>
-                                        <p:tav tm="100000">
-                                          <p:val>
-                                            <p:strVal val="#ppt_y"/>
-                                          </p:val>
-                                        </p:tav>
-                                      </p:tavLst>
-                                    </p:anim>
-                                  </p:childTnLst>
-                                </p:cTn>
-                              </p:par>
-                            </p:childTnLst>
-                          </p:cTn>
-                        </p:par>
-                      </p:childTnLst>
-                    </p:cTn>
-                  </p:par>
-                  <p:par>
-                    <p:cTn id="9" fill="hold">
-                      <p:stCondLst>
-                        <p:cond delay="indefinite"/>
-                      </p:stCondLst>
-                      <p:childTnLst>
-                        <p:par>
-                          <p:cTn id="10" fill="hold">
-                            <p:stCondLst>
-                              <p:cond delay="0"/>
-                            </p:stCondLst>
-                            <p:childTnLst>
-                              <p:par>
-                                <p:cTn id="11" presetID="2" presetClass="entr" presetSubtype="4" fill="hold" grpId="0" nodeType="clickEffect">
-                                  <p:stCondLst>
-                                    <p:cond delay="0"/>
-                                  </p:stCondLst>
-                                  <p:childTnLst>
-                                    <p:set>
-                                      <p:cBhvr>
-                                        <p:cTn id="12" dur="1" fill="hold">
-                                          <p:stCondLst>
-                                            <p:cond delay="0"/>
-                                          </p:stCondLst>
-                                        </p:cTn>
-                                        <p:tgtEl>
-                                          <p:spTgt spid="3">
-                                            <p:txEl>
-                                              <p:pRg st="1" end="1"/>
-                                            </p:txEl>
-                                          </p:spTgt>
-                                        </p:tgtEl>
-                                        <p:attrNameLst>
-                                          <p:attrName>style.visibility</p:attrName>
-                                        </p:attrNameLst>
-                                      </p:cBhvr>
-                                      <p:to>
-                                        <p:strVal val="visible"/>
-                                      </p:to>
-                                    </p:set>
-                                    <p:anim calcmode="lin" valueType="num">
-                                      <p:cBhvr additive="base">
-                                        <p:cTn id="13" dur="500" fill="hold"/>
-                                        <p:tgtEl>
-                                          <p:spTgt spid="3">
-                                            <p:txEl>
-                                              <p:pRg st="1" end="1"/>
-                                            </p:txEl>
-                                          </p:spTgt>
-                                        </p:tgtEl>
-                                        <p:attrNameLst>
-                                          <p:attrName>ppt_x</p:attrName>
-                                        </p:attrNameLst>
-                                      </p:cBhvr>
-                                      <p:tavLst>
-                                        <p:tav tm="0">
-                                          <p:val>
-                                            <p:strVal val="#ppt_x"/>
-                                          </p:val>
-                                        </p:tav>
-                                        <p:tav tm="100000">
-                                          <p:val>
-                                            <p:strVal val="#ppt_x"/>
-                                          </p:val>
-                                        </p:tav>
-                                      </p:tavLst>
-                                    </p:anim>
-                                    <p:anim calcmode="lin" valueType="num">
-                                      <p:cBhvr additive="base">
-                                        <p:cTn id="14" dur="500" fill="hold"/>
-                                        <p:tgtEl>
-                                          <p:spTgt spid="3">
-                                            <p:txEl>
-                                              <p:pRg st="1" end="1"/>
-                                            </p:txEl>
-                                          </p:spTgt>
-                                        </p:tgtEl>
-                                        <p:attrNameLst>
-                                          <p:attrName>ppt_y</p:attrName>
-                                        </p:attrNameLst>
-                                      </p:cBhvr>
-                                      <p:tavLst>
-                                        <p:tav tm="0">
-                                          <p:val>
-                                            <p:strVal val="1+#ppt_h/2"/>
-                                          </p:val>
-                                        </p:tav>
-                                        <p:tav tm="100000">
-                                          <p:val>
-                                            <p:strVal val="#ppt_y"/>
-                                          </p:val>
-                                        </p:tav>
-                                      </p:tavLst>
-                                    </p:anim>
-                                  </p:childTnLst>
-                                </p:cTn>
-                              </p:par>
-                            </p:childTnLst>
-                          </p:cTn>
-                        </p:par>
-                      </p:childTnLst>
-                    </p:cTn>
-                  </p:par>
-                  <p:par>
-                    <p:cTn id="15" fill="hold">
-                      <p:stCondLst>
-                        <p:cond delay="indefinite"/>
-                      </p:stCondLst>
-                      <p:childTnLst>
-                        <p:par>
-                          <p:cTn id="16" fill="hold">
-                            <p:stCondLst>
-                              <p:cond delay="0"/>
-                            </p:stCondLst>
-                            <p:childTnLst>
-                              <p:par>
-                                <p:cTn id="17" presetID="2" presetClass="entr" presetSubtype="4" fill="hold" grpId="0" nodeType="clickEffect">
-                                  <p:stCondLst>
-                                    <p:cond delay="0"/>
-                                  </p:stCondLst>
-                                  <p:childTnLst>
-                                    <p:set>
-                                      <p:cBhvr>
-                                        <p:cTn id="18" dur="1" fill="hold">
-                                          <p:stCondLst>
-                                            <p:cond delay="0"/>
-                                          </p:stCondLst>
-                                        </p:cTn>
-                                        <p:tgtEl>
-                                          <p:spTgt spid="3">
-                                            <p:txEl>
-                                              <p:pRg st="2" end="2"/>
-                                            </p:txEl>
-                                          </p:spTgt>
-                                        </p:tgtEl>
-                                        <p:attrNameLst>
-                                          <p:attrName>style.visibility</p:attrName>
-                                        </p:attrNameLst>
-                                      </p:cBhvr>
-                                      <p:to>
-                                        <p:strVal val="visible"/>
-                                      </p:to>
-                                    </p:set>
-                                    <p:anim calcmode="lin" valueType="num">
-                                      <p:cBhvr additive="base">
-                                        <p:cTn id="19" dur="500" fill="hold"/>
-                                        <p:tgtEl>
-                                          <p:spTgt spid="3">
-                                            <p:txEl>
-                                              <p:pRg st="2" end="2"/>
-                                            </p:txEl>
-                                          </p:spTgt>
-                                        </p:tgtEl>
-                                        <p:attrNameLst>
-                                          <p:attrName>ppt_x</p:attrName>
-                                        </p:attrNameLst>
-                                      </p:cBhvr>
-                                      <p:tavLst>
-                                        <p:tav tm="0">
-                                          <p:val>
-                                            <p:strVal val="#ppt_x"/>
-                                          </p:val>
-                                        </p:tav>
-                                        <p:tav tm="100000">
-                                          <p:val>
-                                            <p:strVal val="#ppt_x"/>
-                                          </p:val>
-                                        </p:tav>
-                                      </p:tavLst>
-                                    </p:anim>
-                                    <p:anim calcmode="lin" valueType="num">
-                                      <p:cBhvr additive="base">
-                                        <p:cTn id="20" dur="500" fill="hold"/>
-                                        <p:tgtEl>
-                                          <p:spTgt spid="3">
-                                            <p:txEl>
-                                              <p:pRg st="2" end="2"/>
-                                            </p:txEl>
-                                          </p:spTgt>
-                                        </p:tgtEl>
-                                        <p:attrNameLst>
-                                          <p:attrName>ppt_y</p:attrName>
-                                        </p:attrNameLst>
-                                      </p:cBhvr>
-                                      <p:tavLst>
-                                        <p:tav tm="0">
-                                          <p:val>
-                                            <p:strVal val="1+#ppt_h/2"/>
-                                          </p:val>
-                                        </p:tav>
-                                        <p:tav tm="100000">
-                                          <p:val>
-                                            <p:strVal val="#ppt_y"/>
-                                          </p:val>
-                                        </p:tav>
-                                      </p:tavLst>
-                                    </p:anim>
-                                  </p:childTnLst>
-                                </p:cTn>
-                              </p:par>
-                            </p:childTnLst>
-                          </p:cTn>
-                        </p:par>
-                      </p:childTnLst>
-                    </p:cTn>
-                  </p:par>
-                  <p:par>
-                    <p:cTn id="21" fill="hold">
-                      <p:stCondLst>
-                        <p:cond delay="indefinite"/>
-                      </p:stCondLst>
-                      <p:childTnLst>
-                        <p:par>
-                          <p:cTn id="22" fill="hold">
-                            <p:stCondLst>
-                              <p:cond delay="0"/>
-                            </p:stCondLst>
-                            <p:childTnLst>
-                              <p:par>
-                                <p:cTn id="23" presetID="2" presetClass="entr" presetSubtype="4" fill="hold" grpId="0" nodeType="clickEffect">
-                                  <p:stCondLst>
-                                    <p:cond delay="0"/>
-                                  </p:stCondLst>
-                                  <p:childTnLst>
-                                    <p:set>
-                                      <p:cBhvr>
-                                        <p:cTn id="24" dur="1" fill="hold">
-                                          <p:stCondLst>
-                                            <p:cond delay="0"/>
-                                          </p:stCondLst>
-                                        </p:cTn>
-                                        <p:tgtEl>
-                                          <p:spTgt spid="3">
-                                            <p:txEl>
-                                              <p:pRg st="3" end="3"/>
-                                            </p:txEl>
-                                          </p:spTgt>
-                                        </p:tgtEl>
-                                        <p:attrNameLst>
-                                          <p:attrName>style.visibility</p:attrName>
-                                        </p:attrNameLst>
-                                      </p:cBhvr>
-                                      <p:to>
-                                        <p:strVal val="visible"/>
-                                      </p:to>
-                                    </p:set>
-                                    <p:anim calcmode="lin" valueType="num">
-                                      <p:cBhvr additive="base">
-                                        <p:cTn id="25" dur="500" fill="hold"/>
-                                        <p:tgtEl>
-                                          <p:spTgt spid="3">
-                                            <p:txEl>
-                                              <p:pRg st="3" end="3"/>
-                                            </p:txEl>
-                                          </p:spTgt>
-                                        </p:tgtEl>
-                                        <p:attrNameLst>
-                                          <p:attrName>ppt_x</p:attrName>
-                                        </p:attrNameLst>
-                                      </p:cBhvr>
-                                      <p:tavLst>
-                                        <p:tav tm="0">
-                                          <p:val>
-                                            <p:strVal val="#ppt_x"/>
-                                          </p:val>
-                                        </p:tav>
-                                        <p:tav tm="100000">
-                                          <p:val>
-                                            <p:strVal val="#ppt_x"/>
-                                          </p:val>
-                                        </p:tav>
-                                      </p:tavLst>
-                                    </p:anim>
-                                    <p:anim calcmode="lin" valueType="num">
-                                      <p:cBhvr additive="base">
-                                        <p:cTn id="26" dur="500" fill="hold"/>
-                                        <p:tgtEl>
-                                          <p:spTgt spid="3">
-                                            <p:txEl>
-                                              <p:pRg st="3" end="3"/>
-                                            </p:txEl>
-                                          </p:spTgt>
-                                        </p:tgtEl>
-                                        <p:attrNameLst>
-                                          <p:attrName>ppt_y</p:attrName>
-                                        </p:attrNameLst>
-                                      </p:cBhvr>
-                                      <p:tavLst>
-                                        <p:tav tm="0">
-                                          <p:val>
-                                            <p:strVal val="1+#ppt_h/2"/>
-                                          </p:val>
-                                        </p:tav>
-                                        <p:tav tm="100000">
-                                          <p:val>
-                                            <p:strVal val="#ppt_y"/>
-                                          </p:val>
-                                        </p:tav>
-                                      </p:tavLst>
-                                    </p:anim>
-                                  </p:childTnLst>
-                                </p:cTn>
-                              </p:par>
-                            </p:childTnLst>
-                          </p:cTn>
-                        </p:par>
-                      </p:childTnLst>
-                    </p:cTn>
-                  </p:par>
-                  <p:par>
-                    <p:cTn id="27" fill="hold">
-                      <p:stCondLst>
-                        <p:cond delay="indefinite"/>
-                      </p:stCondLst>
-                      <p:childTnLst>
-                        <p:par>
-                          <p:cTn id="28" fill="hold">
-                            <p:stCondLst>
-                              <p:cond delay="0"/>
-                            </p:stCondLst>
-                            <p:childTnLst>
-                              <p:par>
-                                <p:cTn id="29" presetID="2" presetClass="entr" presetSubtype="4" fill="hold" grpId="0" nodeType="clickEffect">
-                                  <p:stCondLst>
-                                    <p:cond delay="0"/>
-                                  </p:stCondLst>
-                                  <p:childTnLst>
-                                    <p:set>
-                                      <p:cBhvr>
-                                        <p:cTn id="30" dur="1" fill="hold">
-                                          <p:stCondLst>
-                                            <p:cond delay="0"/>
-                                          </p:stCondLst>
-                                        </p:cTn>
-                                        <p:tgtEl>
-                                          <p:spTgt spid="3">
-                                            <p:txEl>
-                                              <p:pRg st="4" end="4"/>
-                                            </p:txEl>
-                                          </p:spTgt>
-                                        </p:tgtEl>
-                                        <p:attrNameLst>
-                                          <p:attrName>style.visibility</p:attrName>
-                                        </p:attrNameLst>
-                                      </p:cBhvr>
-                                      <p:to>
-                                        <p:strVal val="visible"/>
-                                      </p:to>
-                                    </p:set>
-                                    <p:anim calcmode="lin" valueType="num">
-                                      <p:cBhvr additive="base">
-                                        <p:cTn id="31" dur="500" fill="hold"/>
-                                        <p:tgtEl>
-                                          <p:spTgt spid="3">
-                                            <p:txEl>
-                                              <p:pRg st="4" end="4"/>
-                                            </p:txEl>
-                                          </p:spTgt>
-                                        </p:tgtEl>
-                                        <p:attrNameLst>
-                                          <p:attrName>ppt_x</p:attrName>
-                                        </p:attrNameLst>
-                                      </p:cBhvr>
-                                      <p:tavLst>
-                                        <p:tav tm="0">
-                                          <p:val>
-                                            <p:strVal val="#ppt_x"/>
-                                          </p:val>
-                                        </p:tav>
-                                        <p:tav tm="100000">
-                                          <p:val>
-                                            <p:strVal val="#ppt_x"/>
-                                          </p:val>
-                                        </p:tav>
-                                      </p:tavLst>
-                                    </p:anim>
-                                    <p:anim calcmode="lin" valueType="num">
-                                      <p:cBhvr additive="base">
-                                        <p:cTn id="32" dur="500" fill="hold"/>
-                                        <p:tgtEl>
-                                          <p:spTgt spid="3">
-                                            <p:txEl>
-                                              <p:pRg st="4" end="4"/>
-                                            </p:txEl>
-                                          </p:spTgt>
-                                        </p:tgtEl>
-                                        <p:attrNameLst>
-                                          <p:attrName>ppt_y</p:attrName>
-                                        </p:attrNameLst>
-                                      </p:cBhvr>
-                                      <p:tavLst>
-                                        <p:tav tm="0">
-                                          <p:val>
-                                            <p:strVal val="1+#ppt_h/2"/>
-                                          </p:val>
-                                        </p:tav>
-                                        <p:tav tm="100000">
-                                          <p:val>
-                                            <p:strVal val="#ppt_y"/>
-                                          </p:val>
-                                        </p:tav>
-                                      </p:tavLst>
-                                    </p:anim>
-                                  </p:childTnLst>
-                                </p:cTn>
-                              </p:par>
-                            </p:childTnLst>
-                          </p:cTn>
-                        </p:par>
-                      </p:childTnLst>
-                    </p:cTn>
-                  </p:par>
-                  <p:par>
-                    <p:cTn id="33" fill="hold">
-                      <p:stCondLst>
-                        <p:cond delay="indefinite"/>
-                      </p:stCondLst>
-                      <p:childTnLst>
-                        <p:par>
-                          <p:cTn id="34" fill="hold">
-                            <p:stCondLst>
-                              <p:cond delay="0"/>
-                            </p:stCondLst>
-                            <p:childTnLst>
-                              <p:par>
-                                <p:cTn id="35" presetID="2" presetClass="entr" presetSubtype="4" fill="hold" grpId="0" nodeType="clickEffect">
-                                  <p:stCondLst>
-                                    <p:cond delay="0"/>
-                                  </p:stCondLst>
-                                  <p:childTnLst>
-                                    <p:set>
-                                      <p:cBhvr>
-                                        <p:cTn id="36" dur="1" fill="hold">
-                                          <p:stCondLst>
-                                            <p:cond delay="0"/>
-                                          </p:stCondLst>
-                                        </p:cTn>
-                                        <p:tgtEl>
-                                          <p:spTgt spid="3">
-                                            <p:txEl>
-                                              <p:pRg st="5" end="5"/>
-                                            </p:txEl>
-                                          </p:spTgt>
-                                        </p:tgtEl>
-                                        <p:attrNameLst>
-                                          <p:attrName>style.visibility</p:attrName>
-                                        </p:attrNameLst>
-                                      </p:cBhvr>
-                                      <p:to>
-                                        <p:strVal val="visible"/>
-                                      </p:to>
-                                    </p:set>
-                                    <p:anim calcmode="lin" valueType="num">
-                                      <p:cBhvr additive="base">
-                                        <p:cTn id="37" dur="500" fill="hold"/>
-                                        <p:tgtEl>
-                                          <p:spTgt spid="3">
-                                            <p:txEl>
-                                              <p:pRg st="5" end="5"/>
-                                            </p:txEl>
-                                          </p:spTgt>
-                                        </p:tgtEl>
-                                        <p:attrNameLst>
-                                          <p:attrName>ppt_x</p:attrName>
-                                        </p:attrNameLst>
-                                      </p:cBhvr>
-                                      <p:tavLst>
-                                        <p:tav tm="0">
-                                          <p:val>
-                                            <p:strVal val="#ppt_x"/>
-                                          </p:val>
-                                        </p:tav>
-                                        <p:tav tm="100000">
-                                          <p:val>
-                                            <p:strVal val="#ppt_x"/>
-                                          </p:val>
-                                        </p:tav>
-                                      </p:tavLst>
-                                    </p:anim>
-                                    <p:anim calcmode="lin" valueType="num">
-                                      <p:cBhvr additive="base">
-                                        <p:cTn id="38" dur="500" fill="hold"/>
-                                        <p:tgtEl>
-                                          <p:spTgt spid="3">
-                                            <p:txEl>
-                                              <p:pRg st="5" end="5"/>
-                                            </p:txEl>
-                                          </p:spTgt>
-                                        </p:tgtEl>
-                                        <p:attrNameLst>
-                                          <p:attrName>ppt_y</p:attrName>
-                                        </p:attrNameLst>
-                                      </p:cBhvr>
-                                      <p:tavLst>
-                                        <p:tav tm="0">
-                                          <p:val>
-                                            <p:strVal val="1+#ppt_h/2"/>
-                                          </p:val>
-                                        </p:tav>
-                                        <p:tav tm="100000">
-                                          <p:val>
-                                            <p:strVal val="#ppt_y"/>
-                                          </p:val>
-                                        </p:tav>
-                                      </p:tavLst>
-                                    </p:anim>
-                                  </p:childTnLst>
-                                </p:cTn>
-                              </p:par>
-                            </p:childTnLst>
-                          </p:cTn>
-                        </p:par>
-                      </p:childTnLst>
-                    </p:cTn>
-                  </p:par>
-                </p:childTnLst>
-              </p:cTn>
-              <p:prevCondLst>
-                <p:cond evt="onPrev" delay="0">
-                  <p:tgtEl>
-                    <p:sldTgt/>
-                  </p:tgtEl>
-                </p:cond>
-              </p:prevCondLst>
-              <p:nextCondLst>
-                <p:cond evt="onNext" delay="0">
-                  <p:tgtEl>
-                    <p:sldTgt/>
-                  </p:tgtEl>
-                </p:cond>
-              </p:nextCondLst>
-            </p:seq>
-          </p:childTnLst>
-        </p:cTn>
-      </p:par>
-    </p:tnLst>
-    <p:bldLst>
-      <p:bldP spid="3" grpId="0" build="p"/>
-    </p:bldLst>
-  </p:timing>
-</p:sld>
-</file>
-
-<file path=ppt/slides/slide20.xml><?xml version="1.0" encoding="utf-8"?>
+<file path=ppt/slides/slide21.xml><?xml version="1.0" encoding="utf-8"?>
 <p:sld xmlns:a="http://schemas.openxmlformats.org/drawingml/2006/main" xmlns:r="http://schemas.openxmlformats.org/officeDocument/2006/relationships" xmlns:p="http://schemas.openxmlformats.org/presentationml/2006/main">
   <p:cSld>
     <p:spTree>
@@ -13137,7 +13821,7 @@
 </p:sld>
 </file>
 
-<file path=ppt/slides/slide21.xml><?xml version="1.0" encoding="utf-8"?>
+<file path=ppt/slides/slide22.xml><?xml version="1.0" encoding="utf-8"?>
 <p:sld xmlns:a="http://schemas.openxmlformats.org/drawingml/2006/main" xmlns:r="http://schemas.openxmlformats.org/officeDocument/2006/relationships" xmlns:p="http://schemas.openxmlformats.org/presentationml/2006/main">
   <p:cSld>
     <p:spTree>
@@ -14059,7 +14743,7 @@
             </a:pPr>
             <a:r>
               <a:rPr lang="en-GB" dirty="0"/>
-              <a:t>5 minute rule and synchronous learning etiquettes</a:t>
+              <a:t>Do any pre-class exercise in preparation for the class</a:t>
             </a:r>
           </a:p>
           <a:p>
@@ -14069,7 +14753,7 @@
             </a:pPr>
             <a:r>
               <a:rPr lang="en-GB" dirty="0"/>
-              <a:t>Ensure your camera is on at all times</a:t>
+              <a:t>5 minute rule and synchronous learning etiquettes</a:t>
             </a:r>
           </a:p>
           <a:p>
@@ -14079,7 +14763,7 @@
             </a:pPr>
             <a:r>
               <a:rPr lang="en-GB" dirty="0"/>
-              <a:t>Use a laptop for all sessions </a:t>
+              <a:t>Ensure your camera is on at all times</a:t>
             </a:r>
           </a:p>
           <a:p>
@@ -14089,7 +14773,7 @@
             </a:pPr>
             <a:r>
               <a:rPr lang="en-GB" dirty="0"/>
-              <a:t>Participate in all the polls within 2 minutes</a:t>
+              <a:t>Use a laptop for all sessions </a:t>
             </a:r>
           </a:p>
           <a:p>
@@ -14099,7 +14783,7 @@
             </a:pPr>
             <a:r>
               <a:rPr lang="en-GB" dirty="0"/>
-              <a:t>Stay till the end of the class to do your exercises</a:t>
+              <a:t>Participate in all the polls within 2 minutes</a:t>
             </a:r>
           </a:p>
           <a:p>
@@ -14109,7 +14793,46 @@
             </a:pPr>
             <a:r>
               <a:rPr lang="en-GB" dirty="0"/>
-              <a:t>Sending me your work (john.alamina@hud.ac.uk)</a:t>
+              <a:t>Stay till the end of the class to do your exercises</a:t>
+            </a:r>
+          </a:p>
+          <a:p>
+            <a:pPr marL="457200" indent="-457200">
+              <a:buFont typeface="+mj-lt"/>
+              <a:buAutoNum type="arabicPeriod"/>
+            </a:pPr>
+            <a:r>
+              <a:rPr lang="en-GB" dirty="0"/>
+              <a:t>Contact your tutors (</a:t>
+            </a:r>
+            <a:r>
+              <a:rPr lang="en-GB" dirty="0">
+                <a:hlinkClick r:id="rId2"/>
+              </a:rPr>
+              <a:t>john.alamina@hud.ac.uk</a:t>
+            </a:r>
+            <a:r>
+              <a:rPr lang="en-GB" dirty="0"/>
+              <a:t>,</a:t>
+            </a:r>
+          </a:p>
+          <a:p>
+            <a:pPr marL="0" indent="0">
+              <a:buNone/>
+            </a:pPr>
+            <a:r>
+              <a:rPr lang="en-GB" dirty="0"/>
+              <a:t>			</a:t>
+            </a:r>
+            <a:r>
+              <a:rPr lang="en-GB" dirty="0">
+                <a:hlinkClick r:id="rId3"/>
+              </a:rPr>
+              <a:t>onyedikachi.ulelu@hud.ac.uk</a:t>
+            </a:r>
+            <a:r>
+              <a:rPr lang="en-GB" dirty="0"/>
+              <a:t> )</a:t>
             </a:r>
           </a:p>
         </p:txBody>
@@ -14827,6 +15550,212 @@
                                           <p:spTgt spid="3">
                                             <p:txEl>
                                               <p:pRg st="6" end="6"/>
+                                            </p:txEl>
+                                          </p:spTgt>
+                                        </p:tgtEl>
+                                        <p:attrNameLst>
+                                          <p:attrName>ppt_y</p:attrName>
+                                        </p:attrNameLst>
+                                      </p:cBhvr>
+                                      <p:tavLst>
+                                        <p:tav tm="0">
+                                          <p:val>
+                                            <p:strVal val="1+#ppt_h/2"/>
+                                          </p:val>
+                                        </p:tav>
+                                        <p:tav tm="100000">
+                                          <p:val>
+                                            <p:strVal val="#ppt_y"/>
+                                          </p:val>
+                                        </p:tav>
+                                      </p:tavLst>
+                                    </p:anim>
+                                  </p:childTnLst>
+                                </p:cTn>
+                              </p:par>
+                            </p:childTnLst>
+                          </p:cTn>
+                        </p:par>
+                      </p:childTnLst>
+                    </p:cTn>
+                  </p:par>
+                  <p:par>
+                    <p:cTn id="45" fill="hold">
+                      <p:stCondLst>
+                        <p:cond delay="indefinite"/>
+                      </p:stCondLst>
+                      <p:childTnLst>
+                        <p:par>
+                          <p:cTn id="46" fill="hold">
+                            <p:stCondLst>
+                              <p:cond delay="0"/>
+                            </p:stCondLst>
+                            <p:childTnLst>
+                              <p:par>
+                                <p:cTn id="47" presetID="2" presetClass="entr" presetSubtype="4" fill="hold" grpId="0" nodeType="clickEffect">
+                                  <p:stCondLst>
+                                    <p:cond delay="0"/>
+                                  </p:stCondLst>
+                                  <p:childTnLst>
+                                    <p:set>
+                                      <p:cBhvr>
+                                        <p:cTn id="48" dur="1" fill="hold">
+                                          <p:stCondLst>
+                                            <p:cond delay="0"/>
+                                          </p:stCondLst>
+                                        </p:cTn>
+                                        <p:tgtEl>
+                                          <p:spTgt spid="3">
+                                            <p:txEl>
+                                              <p:pRg st="7" end="7"/>
+                                            </p:txEl>
+                                          </p:spTgt>
+                                        </p:tgtEl>
+                                        <p:attrNameLst>
+                                          <p:attrName>style.visibility</p:attrName>
+                                        </p:attrNameLst>
+                                      </p:cBhvr>
+                                      <p:to>
+                                        <p:strVal val="visible"/>
+                                      </p:to>
+                                    </p:set>
+                                    <p:anim calcmode="lin" valueType="num">
+                                      <p:cBhvr additive="base">
+                                        <p:cTn id="49" dur="500" fill="hold"/>
+                                        <p:tgtEl>
+                                          <p:spTgt spid="3">
+                                            <p:txEl>
+                                              <p:pRg st="7" end="7"/>
+                                            </p:txEl>
+                                          </p:spTgt>
+                                        </p:tgtEl>
+                                        <p:attrNameLst>
+                                          <p:attrName>ppt_x</p:attrName>
+                                        </p:attrNameLst>
+                                      </p:cBhvr>
+                                      <p:tavLst>
+                                        <p:tav tm="0">
+                                          <p:val>
+                                            <p:strVal val="#ppt_x"/>
+                                          </p:val>
+                                        </p:tav>
+                                        <p:tav tm="100000">
+                                          <p:val>
+                                            <p:strVal val="#ppt_x"/>
+                                          </p:val>
+                                        </p:tav>
+                                      </p:tavLst>
+                                    </p:anim>
+                                    <p:anim calcmode="lin" valueType="num">
+                                      <p:cBhvr additive="base">
+                                        <p:cTn id="50" dur="500" fill="hold"/>
+                                        <p:tgtEl>
+                                          <p:spTgt spid="3">
+                                            <p:txEl>
+                                              <p:pRg st="7" end="7"/>
+                                            </p:txEl>
+                                          </p:spTgt>
+                                        </p:tgtEl>
+                                        <p:attrNameLst>
+                                          <p:attrName>ppt_y</p:attrName>
+                                        </p:attrNameLst>
+                                      </p:cBhvr>
+                                      <p:tavLst>
+                                        <p:tav tm="0">
+                                          <p:val>
+                                            <p:strVal val="1+#ppt_h/2"/>
+                                          </p:val>
+                                        </p:tav>
+                                        <p:tav tm="100000">
+                                          <p:val>
+                                            <p:strVal val="#ppt_y"/>
+                                          </p:val>
+                                        </p:tav>
+                                      </p:tavLst>
+                                    </p:anim>
+                                  </p:childTnLst>
+                                </p:cTn>
+                              </p:par>
+                            </p:childTnLst>
+                          </p:cTn>
+                        </p:par>
+                      </p:childTnLst>
+                    </p:cTn>
+                  </p:par>
+                  <p:par>
+                    <p:cTn id="51" fill="hold">
+                      <p:stCondLst>
+                        <p:cond delay="indefinite"/>
+                      </p:stCondLst>
+                      <p:childTnLst>
+                        <p:par>
+                          <p:cTn id="52" fill="hold">
+                            <p:stCondLst>
+                              <p:cond delay="0"/>
+                            </p:stCondLst>
+                            <p:childTnLst>
+                              <p:par>
+                                <p:cTn id="53" presetID="2" presetClass="entr" presetSubtype="4" fill="hold" grpId="0" nodeType="clickEffect">
+                                  <p:stCondLst>
+                                    <p:cond delay="0"/>
+                                  </p:stCondLst>
+                                  <p:childTnLst>
+                                    <p:set>
+                                      <p:cBhvr>
+                                        <p:cTn id="54" dur="1" fill="hold">
+                                          <p:stCondLst>
+                                            <p:cond delay="0"/>
+                                          </p:stCondLst>
+                                        </p:cTn>
+                                        <p:tgtEl>
+                                          <p:spTgt spid="3">
+                                            <p:txEl>
+                                              <p:pRg st="8" end="8"/>
+                                            </p:txEl>
+                                          </p:spTgt>
+                                        </p:tgtEl>
+                                        <p:attrNameLst>
+                                          <p:attrName>style.visibility</p:attrName>
+                                        </p:attrNameLst>
+                                      </p:cBhvr>
+                                      <p:to>
+                                        <p:strVal val="visible"/>
+                                      </p:to>
+                                    </p:set>
+                                    <p:anim calcmode="lin" valueType="num">
+                                      <p:cBhvr additive="base">
+                                        <p:cTn id="55" dur="500" fill="hold"/>
+                                        <p:tgtEl>
+                                          <p:spTgt spid="3">
+                                            <p:txEl>
+                                              <p:pRg st="8" end="8"/>
+                                            </p:txEl>
+                                          </p:spTgt>
+                                        </p:tgtEl>
+                                        <p:attrNameLst>
+                                          <p:attrName>ppt_x</p:attrName>
+                                        </p:attrNameLst>
+                                      </p:cBhvr>
+                                      <p:tavLst>
+                                        <p:tav tm="0">
+                                          <p:val>
+                                            <p:strVal val="#ppt_x"/>
+                                          </p:val>
+                                        </p:tav>
+                                        <p:tav tm="100000">
+                                          <p:val>
+                                            <p:strVal val="#ppt_x"/>
+                                          </p:val>
+                                        </p:tav>
+                                      </p:tavLst>
+                                    </p:anim>
+                                    <p:anim calcmode="lin" valueType="num">
+                                      <p:cBhvr additive="base">
+                                        <p:cTn id="56" dur="500" fill="hold"/>
+                                        <p:tgtEl>
+                                          <p:spTgt spid="3">
+                                            <p:txEl>
+                                              <p:pRg st="8" end="8"/>
                                             </p:txEl>
                                           </p:spTgt>
                                         </p:tgtEl>
@@ -14917,6 +15846,969 @@
             <p:ph type="title"/>
           </p:nvPr>
         </p:nvSpPr>
+        <p:spPr>
+          <a:xfrm>
+            <a:off x="822960" y="135774"/>
+            <a:ext cx="7543800" cy="627797"/>
+          </a:xfrm>
+        </p:spPr>
+        <p:txBody>
+          <a:bodyPr>
+            <a:normAutofit fontScale="90000"/>
+          </a:bodyPr>
+          <a:lstStyle/>
+          <a:p>
+            <a:r>
+              <a:rPr lang="en-GB" dirty="0"/>
+              <a:t>Supplementary material</a:t>
+            </a:r>
+          </a:p>
+        </p:txBody>
+      </p:sp>
+      <p:pic>
+        <p:nvPicPr>
+          <p:cNvPr id="1026" name="Picture 2">
+            <a:hlinkClick r:id="rId2"/>
+            <a:extLst>
+              <a:ext uri="{FF2B5EF4-FFF2-40B4-BE49-F238E27FC236}">
+                <a16:creationId xmlns:a16="http://schemas.microsoft.com/office/drawing/2014/main" id="{EF7F1D60-015A-4DED-A9A4-811E5B405388}"/>
+              </a:ext>
+            </a:extLst>
+          </p:cNvPr>
+          <p:cNvPicPr>
+            <a:picLocks noGrp="1" noChangeAspect="1" noChangeArrowheads="1"/>
+          </p:cNvPicPr>
+          <p:nvPr>
+            <p:ph sz="half" idx="2"/>
+          </p:nvPr>
+        </p:nvPicPr>
+        <p:blipFill>
+          <a:blip r:embed="rId3">
+            <a:extLst>
+              <a:ext uri="{28A0092B-C50C-407E-A947-70E740481C1C}">
+                <a14:useLocalDpi xmlns:a14="http://schemas.microsoft.com/office/drawing/2010/main" val="0"/>
+              </a:ext>
+            </a:extLst>
+          </a:blip>
+          <a:srcRect/>
+          <a:stretch>
+            <a:fillRect/>
+          </a:stretch>
+        </p:blipFill>
+        <p:spPr bwMode="auto">
+          <a:xfrm>
+            <a:off x="5130537" y="1206625"/>
+            <a:ext cx="2467468" cy="3221414"/>
+          </a:xfrm>
+          <a:prstGeom prst="rect">
+            <a:avLst/>
+          </a:prstGeom>
+          <a:noFill/>
+          <a:extLst>
+            <a:ext uri="{909E8E84-426E-40DD-AFC4-6F175D3DCCD1}">
+              <a14:hiddenFill xmlns:a14="http://schemas.microsoft.com/office/drawing/2010/main">
+                <a:solidFill>
+                  <a:srgbClr val="FFFFFF"/>
+                </a:solidFill>
+              </a14:hiddenFill>
+            </a:ext>
+          </a:extLst>
+        </p:spPr>
+      </p:pic>
+      <p:sp>
+        <p:nvSpPr>
+          <p:cNvPr id="8" name="Content Placeholder 2">
+            <a:extLst>
+              <a:ext uri="{FF2B5EF4-FFF2-40B4-BE49-F238E27FC236}">
+                <a16:creationId xmlns:a16="http://schemas.microsoft.com/office/drawing/2014/main" id="{73760C73-15B9-4B92-8E71-3EDACDD92ADB}"/>
+              </a:ext>
+            </a:extLst>
+          </p:cNvPr>
+          <p:cNvSpPr txBox="1">
+            <a:spLocks/>
+          </p:cNvSpPr>
+          <p:nvPr/>
+        </p:nvSpPr>
+        <p:spPr>
+          <a:xfrm>
+            <a:off x="822960" y="4788817"/>
+            <a:ext cx="7387786" cy="1391368"/>
+          </a:xfrm>
+          <a:prstGeom prst="rect">
+            <a:avLst/>
+          </a:prstGeom>
+        </p:spPr>
+        <p:txBody>
+          <a:bodyPr vert="horz" lIns="0" tIns="45720" rIns="0" bIns="45720" rtlCol="0">
+            <a:normAutofit fontScale="85000" lnSpcReduction="20000"/>
+          </a:bodyPr>
+          <a:lstStyle>
+            <a:lvl1pPr marL="91440" indent="-91440" algn="l" defTabSz="914400" rtl="0" eaLnBrk="1" latinLnBrk="0" hangingPunct="1">
+              <a:lnSpc>
+                <a:spcPct val="90000"/>
+              </a:lnSpc>
+              <a:spcBef>
+                <a:spcPts val="1200"/>
+              </a:spcBef>
+              <a:spcAft>
+                <a:spcPts val="200"/>
+              </a:spcAft>
+              <a:buClr>
+                <a:schemeClr val="accent1"/>
+              </a:buClr>
+              <a:buSzPct val="100000"/>
+              <a:buFont typeface="Calibri" panose="020F0502020204030204" pitchFamily="34" charset="0"/>
+              <a:buChar char=" "/>
+              <a:defRPr sz="2000" kern="1200">
+                <a:solidFill>
+                  <a:schemeClr val="tx1">
+                    <a:lumMod val="75000"/>
+                    <a:lumOff val="25000"/>
+                  </a:schemeClr>
+                </a:solidFill>
+                <a:latin typeface="+mn-lt"/>
+                <a:ea typeface="+mn-ea"/>
+                <a:cs typeface="+mn-cs"/>
+              </a:defRPr>
+            </a:lvl1pPr>
+            <a:lvl2pPr marL="384048" indent="-182880" algn="l" defTabSz="914400" rtl="0" eaLnBrk="1" latinLnBrk="0" hangingPunct="1">
+              <a:lnSpc>
+                <a:spcPct val="90000"/>
+              </a:lnSpc>
+              <a:spcBef>
+                <a:spcPts val="200"/>
+              </a:spcBef>
+              <a:spcAft>
+                <a:spcPts val="400"/>
+              </a:spcAft>
+              <a:buClr>
+                <a:schemeClr val="accent1"/>
+              </a:buClr>
+              <a:buFont typeface="Calibri" pitchFamily="34" charset="0"/>
+              <a:buChar char="◦"/>
+              <a:defRPr sz="1800" kern="1200">
+                <a:solidFill>
+                  <a:schemeClr val="tx1">
+                    <a:lumMod val="75000"/>
+                    <a:lumOff val="25000"/>
+                  </a:schemeClr>
+                </a:solidFill>
+                <a:latin typeface="+mn-lt"/>
+                <a:ea typeface="+mn-ea"/>
+                <a:cs typeface="+mn-cs"/>
+              </a:defRPr>
+            </a:lvl2pPr>
+            <a:lvl3pPr marL="566928" indent="-182880" algn="l" defTabSz="914400" rtl="0" eaLnBrk="1" latinLnBrk="0" hangingPunct="1">
+              <a:lnSpc>
+                <a:spcPct val="90000"/>
+              </a:lnSpc>
+              <a:spcBef>
+                <a:spcPts val="200"/>
+              </a:spcBef>
+              <a:spcAft>
+                <a:spcPts val="400"/>
+              </a:spcAft>
+              <a:buClr>
+                <a:schemeClr val="accent1"/>
+              </a:buClr>
+              <a:buFont typeface="Calibri" pitchFamily="34" charset="0"/>
+              <a:buChar char="◦"/>
+              <a:defRPr sz="1400" kern="1200">
+                <a:solidFill>
+                  <a:schemeClr val="tx1">
+                    <a:lumMod val="75000"/>
+                    <a:lumOff val="25000"/>
+                  </a:schemeClr>
+                </a:solidFill>
+                <a:latin typeface="+mn-lt"/>
+                <a:ea typeface="+mn-ea"/>
+                <a:cs typeface="+mn-cs"/>
+              </a:defRPr>
+            </a:lvl3pPr>
+            <a:lvl4pPr marL="749808" indent="-182880" algn="l" defTabSz="914400" rtl="0" eaLnBrk="1" latinLnBrk="0" hangingPunct="1">
+              <a:lnSpc>
+                <a:spcPct val="90000"/>
+              </a:lnSpc>
+              <a:spcBef>
+                <a:spcPts val="200"/>
+              </a:spcBef>
+              <a:spcAft>
+                <a:spcPts val="400"/>
+              </a:spcAft>
+              <a:buClr>
+                <a:schemeClr val="accent1"/>
+              </a:buClr>
+              <a:buFont typeface="Calibri" pitchFamily="34" charset="0"/>
+              <a:buChar char="◦"/>
+              <a:defRPr sz="1400" kern="1200">
+                <a:solidFill>
+                  <a:schemeClr val="tx1">
+                    <a:lumMod val="75000"/>
+                    <a:lumOff val="25000"/>
+                  </a:schemeClr>
+                </a:solidFill>
+                <a:latin typeface="+mn-lt"/>
+                <a:ea typeface="+mn-ea"/>
+                <a:cs typeface="+mn-cs"/>
+              </a:defRPr>
+            </a:lvl4pPr>
+            <a:lvl5pPr marL="932688" indent="-182880" algn="l" defTabSz="914400" rtl="0" eaLnBrk="1" latinLnBrk="0" hangingPunct="1">
+              <a:lnSpc>
+                <a:spcPct val="90000"/>
+              </a:lnSpc>
+              <a:spcBef>
+                <a:spcPts val="200"/>
+              </a:spcBef>
+              <a:spcAft>
+                <a:spcPts val="400"/>
+              </a:spcAft>
+              <a:buClr>
+                <a:schemeClr val="accent1"/>
+              </a:buClr>
+              <a:buFont typeface="Calibri" pitchFamily="34" charset="0"/>
+              <a:buChar char="◦"/>
+              <a:defRPr sz="1400" kern="1200">
+                <a:solidFill>
+                  <a:schemeClr val="tx1">
+                    <a:lumMod val="75000"/>
+                    <a:lumOff val="25000"/>
+                  </a:schemeClr>
+                </a:solidFill>
+                <a:latin typeface="+mn-lt"/>
+                <a:ea typeface="+mn-ea"/>
+                <a:cs typeface="+mn-cs"/>
+              </a:defRPr>
+            </a:lvl5pPr>
+            <a:lvl6pPr marL="1100000" indent="-228600" algn="l" defTabSz="914400" rtl="0" eaLnBrk="1" latinLnBrk="0" hangingPunct="1">
+              <a:lnSpc>
+                <a:spcPct val="90000"/>
+              </a:lnSpc>
+              <a:spcBef>
+                <a:spcPts val="200"/>
+              </a:spcBef>
+              <a:spcAft>
+                <a:spcPts val="400"/>
+              </a:spcAft>
+              <a:buClr>
+                <a:schemeClr val="accent1"/>
+              </a:buClr>
+              <a:buFont typeface="Calibri" pitchFamily="34" charset="0"/>
+              <a:buChar char="◦"/>
+              <a:defRPr sz="1400" kern="1200">
+                <a:solidFill>
+                  <a:schemeClr val="tx1">
+                    <a:lumMod val="75000"/>
+                    <a:lumOff val="25000"/>
+                  </a:schemeClr>
+                </a:solidFill>
+                <a:latin typeface="+mn-lt"/>
+                <a:ea typeface="+mn-ea"/>
+                <a:cs typeface="+mn-cs"/>
+              </a:defRPr>
+            </a:lvl6pPr>
+            <a:lvl7pPr marL="1300000" indent="-228600" algn="l" defTabSz="914400" rtl="0" eaLnBrk="1" latinLnBrk="0" hangingPunct="1">
+              <a:lnSpc>
+                <a:spcPct val="90000"/>
+              </a:lnSpc>
+              <a:spcBef>
+                <a:spcPts val="200"/>
+              </a:spcBef>
+              <a:spcAft>
+                <a:spcPts val="400"/>
+              </a:spcAft>
+              <a:buClr>
+                <a:schemeClr val="accent1"/>
+              </a:buClr>
+              <a:buFont typeface="Calibri" pitchFamily="34" charset="0"/>
+              <a:buChar char="◦"/>
+              <a:defRPr sz="1400" kern="1200">
+                <a:solidFill>
+                  <a:schemeClr val="tx1">
+                    <a:lumMod val="75000"/>
+                    <a:lumOff val="25000"/>
+                  </a:schemeClr>
+                </a:solidFill>
+                <a:latin typeface="+mn-lt"/>
+                <a:ea typeface="+mn-ea"/>
+                <a:cs typeface="+mn-cs"/>
+              </a:defRPr>
+            </a:lvl7pPr>
+            <a:lvl8pPr marL="1500000" indent="-228600" algn="l" defTabSz="914400" rtl="0" eaLnBrk="1" latinLnBrk="0" hangingPunct="1">
+              <a:lnSpc>
+                <a:spcPct val="90000"/>
+              </a:lnSpc>
+              <a:spcBef>
+                <a:spcPts val="200"/>
+              </a:spcBef>
+              <a:spcAft>
+                <a:spcPts val="400"/>
+              </a:spcAft>
+              <a:buClr>
+                <a:schemeClr val="accent1"/>
+              </a:buClr>
+              <a:buFont typeface="Calibri" pitchFamily="34" charset="0"/>
+              <a:buChar char="◦"/>
+              <a:defRPr sz="1400" kern="1200">
+                <a:solidFill>
+                  <a:schemeClr val="tx1">
+                    <a:lumMod val="75000"/>
+                    <a:lumOff val="25000"/>
+                  </a:schemeClr>
+                </a:solidFill>
+                <a:latin typeface="+mn-lt"/>
+                <a:ea typeface="+mn-ea"/>
+                <a:cs typeface="+mn-cs"/>
+              </a:defRPr>
+            </a:lvl8pPr>
+            <a:lvl9pPr marL="1700000" indent="-228600" algn="l" defTabSz="914400" rtl="0" eaLnBrk="1" latinLnBrk="0" hangingPunct="1">
+              <a:lnSpc>
+                <a:spcPct val="90000"/>
+              </a:lnSpc>
+              <a:spcBef>
+                <a:spcPts val="200"/>
+              </a:spcBef>
+              <a:spcAft>
+                <a:spcPts val="400"/>
+              </a:spcAft>
+              <a:buClr>
+                <a:schemeClr val="accent1"/>
+              </a:buClr>
+              <a:buFont typeface="Calibri" pitchFamily="34" charset="0"/>
+              <a:buChar char="◦"/>
+              <a:defRPr sz="1400" kern="1200">
+                <a:solidFill>
+                  <a:schemeClr val="tx1">
+                    <a:lumMod val="75000"/>
+                    <a:lumOff val="25000"/>
+                  </a:schemeClr>
+                </a:solidFill>
+                <a:latin typeface="+mn-lt"/>
+                <a:ea typeface="+mn-ea"/>
+                <a:cs typeface="+mn-cs"/>
+              </a:defRPr>
+            </a:lvl9pPr>
+          </a:lstStyle>
+          <a:p>
+            <a:pPr>
+              <a:buFont typeface="Wingdings" panose="05000000000000000000" pitchFamily="2" charset="2"/>
+              <a:buChar char="v"/>
+            </a:pPr>
+            <a:r>
+              <a:rPr lang="en-GB" dirty="0"/>
+              <a:t> </a:t>
+            </a:r>
+            <a:r>
+              <a:rPr lang="en-GB" dirty="0">
+                <a:hlinkClick r:id="rId4"/>
+              </a:rPr>
+              <a:t>https://docs.oracle.com/javase/tutorial/</a:t>
+            </a:r>
+            <a:endParaRPr lang="en-GB" dirty="0"/>
+          </a:p>
+          <a:p>
+            <a:pPr>
+              <a:buFont typeface="Wingdings" panose="05000000000000000000" pitchFamily="2" charset="2"/>
+              <a:buChar char="v"/>
+            </a:pPr>
+            <a:r>
+              <a:rPr lang="en-GB" dirty="0"/>
+              <a:t> </a:t>
+            </a:r>
+            <a:r>
+              <a:rPr lang="en-GB" dirty="0">
+                <a:hlinkClick r:id="rId5"/>
+              </a:rPr>
+              <a:t>https://docs.oracle.com/javase/8/docs/api/</a:t>
+            </a:r>
+            <a:endParaRPr lang="en-GB" dirty="0"/>
+          </a:p>
+          <a:p>
+            <a:pPr>
+              <a:buFont typeface="Wingdings" panose="05000000000000000000" pitchFamily="2" charset="2"/>
+              <a:buChar char="v"/>
+            </a:pPr>
+            <a:r>
+              <a:rPr lang="en-GB" dirty="0"/>
+              <a:t> </a:t>
+            </a:r>
+            <a:r>
+              <a:rPr lang="en-GB" dirty="0">
+                <a:hlinkClick r:id="rId6"/>
+              </a:rPr>
+              <a:t>Link to today’s Session  </a:t>
+            </a:r>
+            <a:endParaRPr lang="en-GB" dirty="0"/>
+          </a:p>
+          <a:p>
+            <a:pPr>
+              <a:buFont typeface="Wingdings" panose="05000000000000000000" pitchFamily="2" charset="2"/>
+              <a:buChar char="v"/>
+            </a:pPr>
+            <a:r>
+              <a:rPr lang="en-GB" dirty="0"/>
+              <a:t> </a:t>
+            </a:r>
+            <a:r>
+              <a:rPr lang="en-GB" dirty="0">
+                <a:hlinkClick r:id="rId7"/>
+              </a:rPr>
+              <a:t>Link to Group Padlet</a:t>
+            </a:r>
+            <a:endParaRPr lang="en-GB" dirty="0"/>
+          </a:p>
+          <a:p>
+            <a:pPr>
+              <a:buFont typeface="Wingdings" panose="05000000000000000000" pitchFamily="2" charset="2"/>
+              <a:buChar char="v"/>
+            </a:pPr>
+            <a:endParaRPr lang="en-GB" dirty="0"/>
+          </a:p>
+        </p:txBody>
+      </p:sp>
+      <p:pic>
+        <p:nvPicPr>
+          <p:cNvPr id="1028" name="Picture 4">
+            <a:hlinkClick r:id="rId8"/>
+            <a:extLst>
+              <a:ext uri="{FF2B5EF4-FFF2-40B4-BE49-F238E27FC236}">
+                <a16:creationId xmlns:a16="http://schemas.microsoft.com/office/drawing/2014/main" id="{2804B4FC-958E-40C2-BD69-0321299F6DA2}"/>
+              </a:ext>
+            </a:extLst>
+          </p:cNvPr>
+          <p:cNvPicPr>
+            <a:picLocks noGrp="1" noChangeAspect="1" noChangeArrowheads="1"/>
+          </p:cNvPicPr>
+          <p:nvPr>
+            <p:ph sz="half" idx="1"/>
+          </p:nvPr>
+        </p:nvPicPr>
+        <p:blipFill>
+          <a:blip r:embed="rId9">
+            <a:extLst>
+              <a:ext uri="{28A0092B-C50C-407E-A947-70E740481C1C}">
+                <a14:useLocalDpi xmlns:a14="http://schemas.microsoft.com/office/drawing/2010/main" val="0"/>
+              </a:ext>
+            </a:extLst>
+          </a:blip>
+          <a:srcRect/>
+          <a:stretch>
+            <a:fillRect/>
+          </a:stretch>
+        </p:blipFill>
+        <p:spPr bwMode="auto">
+          <a:xfrm>
+            <a:off x="1667717" y="1235604"/>
+            <a:ext cx="2467469" cy="3230143"/>
+          </a:xfrm>
+          <a:prstGeom prst="rect">
+            <a:avLst/>
+          </a:prstGeom>
+          <a:noFill/>
+          <a:extLst>
+            <a:ext uri="{909E8E84-426E-40DD-AFC4-6F175D3DCCD1}">
+              <a14:hiddenFill xmlns:a14="http://schemas.microsoft.com/office/drawing/2010/main">
+                <a:solidFill>
+                  <a:srgbClr val="FFFFFF"/>
+                </a:solidFill>
+              </a14:hiddenFill>
+            </a:ext>
+          </a:extLst>
+        </p:spPr>
+      </p:pic>
+    </p:spTree>
+    <p:extLst>
+      <p:ext uri="{BB962C8B-B14F-4D97-AF65-F5344CB8AC3E}">
+        <p14:creationId xmlns:p14="http://schemas.microsoft.com/office/powerpoint/2010/main" val="3098269440"/>
+      </p:ext>
+    </p:extLst>
+  </p:cSld>
+  <p:clrMapOvr>
+    <a:masterClrMapping/>
+  </p:clrMapOvr>
+  <p:transition spd="slow">
+    <p:push dir="u"/>
+  </p:transition>
+  <p:timing>
+    <p:tnLst>
+      <p:par>
+        <p:cTn id="1" dur="indefinite" restart="never" nodeType="tmRoot">
+          <p:childTnLst>
+            <p:seq concurrent="1" nextAc="seek">
+              <p:cTn id="2" dur="indefinite" nodeType="mainSeq">
+                <p:childTnLst>
+                  <p:par>
+                    <p:cTn id="3" fill="hold">
+                      <p:stCondLst>
+                        <p:cond delay="indefinite"/>
+                      </p:stCondLst>
+                      <p:childTnLst>
+                        <p:par>
+                          <p:cTn id="4" fill="hold">
+                            <p:stCondLst>
+                              <p:cond delay="0"/>
+                            </p:stCondLst>
+                            <p:childTnLst>
+                              <p:par>
+                                <p:cTn id="5" presetID="2" presetClass="entr" presetSubtype="4" fill="hold" grpId="0" nodeType="clickEffect">
+                                  <p:stCondLst>
+                                    <p:cond delay="0"/>
+                                  </p:stCondLst>
+                                  <p:childTnLst>
+                                    <p:set>
+                                      <p:cBhvr>
+                                        <p:cTn id="6" dur="1" fill="hold">
+                                          <p:stCondLst>
+                                            <p:cond delay="0"/>
+                                          </p:stCondLst>
+                                        </p:cTn>
+                                        <p:tgtEl>
+                                          <p:spTgt spid="8">
+                                            <p:txEl>
+                                              <p:pRg st="0" end="0"/>
+                                            </p:txEl>
+                                          </p:spTgt>
+                                        </p:tgtEl>
+                                        <p:attrNameLst>
+                                          <p:attrName>style.visibility</p:attrName>
+                                        </p:attrNameLst>
+                                      </p:cBhvr>
+                                      <p:to>
+                                        <p:strVal val="visible"/>
+                                      </p:to>
+                                    </p:set>
+                                    <p:anim calcmode="lin" valueType="num">
+                                      <p:cBhvr additive="base">
+                                        <p:cTn id="7" dur="500" fill="hold"/>
+                                        <p:tgtEl>
+                                          <p:spTgt spid="8">
+                                            <p:txEl>
+                                              <p:pRg st="0" end="0"/>
+                                            </p:txEl>
+                                          </p:spTgt>
+                                        </p:tgtEl>
+                                        <p:attrNameLst>
+                                          <p:attrName>ppt_x</p:attrName>
+                                        </p:attrNameLst>
+                                      </p:cBhvr>
+                                      <p:tavLst>
+                                        <p:tav tm="0">
+                                          <p:val>
+                                            <p:strVal val="#ppt_x"/>
+                                          </p:val>
+                                        </p:tav>
+                                        <p:tav tm="100000">
+                                          <p:val>
+                                            <p:strVal val="#ppt_x"/>
+                                          </p:val>
+                                        </p:tav>
+                                      </p:tavLst>
+                                    </p:anim>
+                                    <p:anim calcmode="lin" valueType="num">
+                                      <p:cBhvr additive="base">
+                                        <p:cTn id="8" dur="500" fill="hold"/>
+                                        <p:tgtEl>
+                                          <p:spTgt spid="8">
+                                            <p:txEl>
+                                              <p:pRg st="0" end="0"/>
+                                            </p:txEl>
+                                          </p:spTgt>
+                                        </p:tgtEl>
+                                        <p:attrNameLst>
+                                          <p:attrName>ppt_y</p:attrName>
+                                        </p:attrNameLst>
+                                      </p:cBhvr>
+                                      <p:tavLst>
+                                        <p:tav tm="0">
+                                          <p:val>
+                                            <p:strVal val="1+#ppt_h/2"/>
+                                          </p:val>
+                                        </p:tav>
+                                        <p:tav tm="100000">
+                                          <p:val>
+                                            <p:strVal val="#ppt_y"/>
+                                          </p:val>
+                                        </p:tav>
+                                      </p:tavLst>
+                                    </p:anim>
+                                  </p:childTnLst>
+                                </p:cTn>
+                              </p:par>
+                            </p:childTnLst>
+                          </p:cTn>
+                        </p:par>
+                      </p:childTnLst>
+                    </p:cTn>
+                  </p:par>
+                  <p:par>
+                    <p:cTn id="9" fill="hold">
+                      <p:stCondLst>
+                        <p:cond delay="indefinite"/>
+                      </p:stCondLst>
+                      <p:childTnLst>
+                        <p:par>
+                          <p:cTn id="10" fill="hold">
+                            <p:stCondLst>
+                              <p:cond delay="0"/>
+                            </p:stCondLst>
+                            <p:childTnLst>
+                              <p:par>
+                                <p:cTn id="11" presetID="2" presetClass="entr" presetSubtype="4" fill="hold" grpId="0" nodeType="clickEffect">
+                                  <p:stCondLst>
+                                    <p:cond delay="0"/>
+                                  </p:stCondLst>
+                                  <p:childTnLst>
+                                    <p:set>
+                                      <p:cBhvr>
+                                        <p:cTn id="12" dur="1" fill="hold">
+                                          <p:stCondLst>
+                                            <p:cond delay="0"/>
+                                          </p:stCondLst>
+                                        </p:cTn>
+                                        <p:tgtEl>
+                                          <p:spTgt spid="8">
+                                            <p:txEl>
+                                              <p:pRg st="1" end="1"/>
+                                            </p:txEl>
+                                          </p:spTgt>
+                                        </p:tgtEl>
+                                        <p:attrNameLst>
+                                          <p:attrName>style.visibility</p:attrName>
+                                        </p:attrNameLst>
+                                      </p:cBhvr>
+                                      <p:to>
+                                        <p:strVal val="visible"/>
+                                      </p:to>
+                                    </p:set>
+                                    <p:anim calcmode="lin" valueType="num">
+                                      <p:cBhvr additive="base">
+                                        <p:cTn id="13" dur="500" fill="hold"/>
+                                        <p:tgtEl>
+                                          <p:spTgt spid="8">
+                                            <p:txEl>
+                                              <p:pRg st="1" end="1"/>
+                                            </p:txEl>
+                                          </p:spTgt>
+                                        </p:tgtEl>
+                                        <p:attrNameLst>
+                                          <p:attrName>ppt_x</p:attrName>
+                                        </p:attrNameLst>
+                                      </p:cBhvr>
+                                      <p:tavLst>
+                                        <p:tav tm="0">
+                                          <p:val>
+                                            <p:strVal val="#ppt_x"/>
+                                          </p:val>
+                                        </p:tav>
+                                        <p:tav tm="100000">
+                                          <p:val>
+                                            <p:strVal val="#ppt_x"/>
+                                          </p:val>
+                                        </p:tav>
+                                      </p:tavLst>
+                                    </p:anim>
+                                    <p:anim calcmode="lin" valueType="num">
+                                      <p:cBhvr additive="base">
+                                        <p:cTn id="14" dur="500" fill="hold"/>
+                                        <p:tgtEl>
+                                          <p:spTgt spid="8">
+                                            <p:txEl>
+                                              <p:pRg st="1" end="1"/>
+                                            </p:txEl>
+                                          </p:spTgt>
+                                        </p:tgtEl>
+                                        <p:attrNameLst>
+                                          <p:attrName>ppt_y</p:attrName>
+                                        </p:attrNameLst>
+                                      </p:cBhvr>
+                                      <p:tavLst>
+                                        <p:tav tm="0">
+                                          <p:val>
+                                            <p:strVal val="1+#ppt_h/2"/>
+                                          </p:val>
+                                        </p:tav>
+                                        <p:tav tm="100000">
+                                          <p:val>
+                                            <p:strVal val="#ppt_y"/>
+                                          </p:val>
+                                        </p:tav>
+                                      </p:tavLst>
+                                    </p:anim>
+                                  </p:childTnLst>
+                                </p:cTn>
+                              </p:par>
+                            </p:childTnLst>
+                          </p:cTn>
+                        </p:par>
+                      </p:childTnLst>
+                    </p:cTn>
+                  </p:par>
+                  <p:par>
+                    <p:cTn id="15" fill="hold">
+                      <p:stCondLst>
+                        <p:cond delay="indefinite"/>
+                      </p:stCondLst>
+                      <p:childTnLst>
+                        <p:par>
+                          <p:cTn id="16" fill="hold">
+                            <p:stCondLst>
+                              <p:cond delay="0"/>
+                            </p:stCondLst>
+                            <p:childTnLst>
+                              <p:par>
+                                <p:cTn id="17" presetID="2" presetClass="entr" presetSubtype="4" fill="hold" grpId="0" nodeType="clickEffect">
+                                  <p:stCondLst>
+                                    <p:cond delay="0"/>
+                                  </p:stCondLst>
+                                  <p:childTnLst>
+                                    <p:set>
+                                      <p:cBhvr>
+                                        <p:cTn id="18" dur="1" fill="hold">
+                                          <p:stCondLst>
+                                            <p:cond delay="0"/>
+                                          </p:stCondLst>
+                                        </p:cTn>
+                                        <p:tgtEl>
+                                          <p:spTgt spid="8">
+                                            <p:txEl>
+                                              <p:pRg st="2" end="2"/>
+                                            </p:txEl>
+                                          </p:spTgt>
+                                        </p:tgtEl>
+                                        <p:attrNameLst>
+                                          <p:attrName>style.visibility</p:attrName>
+                                        </p:attrNameLst>
+                                      </p:cBhvr>
+                                      <p:to>
+                                        <p:strVal val="visible"/>
+                                      </p:to>
+                                    </p:set>
+                                    <p:anim calcmode="lin" valueType="num">
+                                      <p:cBhvr additive="base">
+                                        <p:cTn id="19" dur="500" fill="hold"/>
+                                        <p:tgtEl>
+                                          <p:spTgt spid="8">
+                                            <p:txEl>
+                                              <p:pRg st="2" end="2"/>
+                                            </p:txEl>
+                                          </p:spTgt>
+                                        </p:tgtEl>
+                                        <p:attrNameLst>
+                                          <p:attrName>ppt_x</p:attrName>
+                                        </p:attrNameLst>
+                                      </p:cBhvr>
+                                      <p:tavLst>
+                                        <p:tav tm="0">
+                                          <p:val>
+                                            <p:strVal val="#ppt_x"/>
+                                          </p:val>
+                                        </p:tav>
+                                        <p:tav tm="100000">
+                                          <p:val>
+                                            <p:strVal val="#ppt_x"/>
+                                          </p:val>
+                                        </p:tav>
+                                      </p:tavLst>
+                                    </p:anim>
+                                    <p:anim calcmode="lin" valueType="num">
+                                      <p:cBhvr additive="base">
+                                        <p:cTn id="20" dur="500" fill="hold"/>
+                                        <p:tgtEl>
+                                          <p:spTgt spid="8">
+                                            <p:txEl>
+                                              <p:pRg st="2" end="2"/>
+                                            </p:txEl>
+                                          </p:spTgt>
+                                        </p:tgtEl>
+                                        <p:attrNameLst>
+                                          <p:attrName>ppt_y</p:attrName>
+                                        </p:attrNameLst>
+                                      </p:cBhvr>
+                                      <p:tavLst>
+                                        <p:tav tm="0">
+                                          <p:val>
+                                            <p:strVal val="1+#ppt_h/2"/>
+                                          </p:val>
+                                        </p:tav>
+                                        <p:tav tm="100000">
+                                          <p:val>
+                                            <p:strVal val="#ppt_y"/>
+                                          </p:val>
+                                        </p:tav>
+                                      </p:tavLst>
+                                    </p:anim>
+                                  </p:childTnLst>
+                                </p:cTn>
+                              </p:par>
+                            </p:childTnLst>
+                          </p:cTn>
+                        </p:par>
+                      </p:childTnLst>
+                    </p:cTn>
+                  </p:par>
+                  <p:par>
+                    <p:cTn id="21" fill="hold">
+                      <p:stCondLst>
+                        <p:cond delay="indefinite"/>
+                      </p:stCondLst>
+                      <p:childTnLst>
+                        <p:par>
+                          <p:cTn id="22" fill="hold">
+                            <p:stCondLst>
+                              <p:cond delay="0"/>
+                            </p:stCondLst>
+                            <p:childTnLst>
+                              <p:par>
+                                <p:cTn id="23" presetID="2" presetClass="entr" presetSubtype="4" fill="hold" grpId="0" nodeType="clickEffect">
+                                  <p:stCondLst>
+                                    <p:cond delay="0"/>
+                                  </p:stCondLst>
+                                  <p:childTnLst>
+                                    <p:set>
+                                      <p:cBhvr>
+                                        <p:cTn id="24" dur="1" fill="hold">
+                                          <p:stCondLst>
+                                            <p:cond delay="0"/>
+                                          </p:stCondLst>
+                                        </p:cTn>
+                                        <p:tgtEl>
+                                          <p:spTgt spid="8">
+                                            <p:txEl>
+                                              <p:pRg st="3" end="3"/>
+                                            </p:txEl>
+                                          </p:spTgt>
+                                        </p:tgtEl>
+                                        <p:attrNameLst>
+                                          <p:attrName>style.visibility</p:attrName>
+                                        </p:attrNameLst>
+                                      </p:cBhvr>
+                                      <p:to>
+                                        <p:strVal val="visible"/>
+                                      </p:to>
+                                    </p:set>
+                                    <p:anim calcmode="lin" valueType="num">
+                                      <p:cBhvr additive="base">
+                                        <p:cTn id="25" dur="500" fill="hold"/>
+                                        <p:tgtEl>
+                                          <p:spTgt spid="8">
+                                            <p:txEl>
+                                              <p:pRg st="3" end="3"/>
+                                            </p:txEl>
+                                          </p:spTgt>
+                                        </p:tgtEl>
+                                        <p:attrNameLst>
+                                          <p:attrName>ppt_x</p:attrName>
+                                        </p:attrNameLst>
+                                      </p:cBhvr>
+                                      <p:tavLst>
+                                        <p:tav tm="0">
+                                          <p:val>
+                                            <p:strVal val="#ppt_x"/>
+                                          </p:val>
+                                        </p:tav>
+                                        <p:tav tm="100000">
+                                          <p:val>
+                                            <p:strVal val="#ppt_x"/>
+                                          </p:val>
+                                        </p:tav>
+                                      </p:tavLst>
+                                    </p:anim>
+                                    <p:anim calcmode="lin" valueType="num">
+                                      <p:cBhvr additive="base">
+                                        <p:cTn id="26" dur="500" fill="hold"/>
+                                        <p:tgtEl>
+                                          <p:spTgt spid="8">
+                                            <p:txEl>
+                                              <p:pRg st="3" end="3"/>
+                                            </p:txEl>
+                                          </p:spTgt>
+                                        </p:tgtEl>
+                                        <p:attrNameLst>
+                                          <p:attrName>ppt_y</p:attrName>
+                                        </p:attrNameLst>
+                                      </p:cBhvr>
+                                      <p:tavLst>
+                                        <p:tav tm="0">
+                                          <p:val>
+                                            <p:strVal val="1+#ppt_h/2"/>
+                                          </p:val>
+                                        </p:tav>
+                                        <p:tav tm="100000">
+                                          <p:val>
+                                            <p:strVal val="#ppt_y"/>
+                                          </p:val>
+                                        </p:tav>
+                                      </p:tavLst>
+                                    </p:anim>
+                                  </p:childTnLst>
+                                </p:cTn>
+                              </p:par>
+                            </p:childTnLst>
+                          </p:cTn>
+                        </p:par>
+                      </p:childTnLst>
+                    </p:cTn>
+                  </p:par>
+                </p:childTnLst>
+              </p:cTn>
+              <p:prevCondLst>
+                <p:cond evt="onPrev" delay="0">
+                  <p:tgtEl>
+                    <p:sldTgt/>
+                  </p:tgtEl>
+                </p:cond>
+              </p:prevCondLst>
+              <p:nextCondLst>
+                <p:cond evt="onNext" delay="0">
+                  <p:tgtEl>
+                    <p:sldTgt/>
+                  </p:tgtEl>
+                </p:cond>
+              </p:nextCondLst>
+            </p:seq>
+          </p:childTnLst>
+        </p:cTn>
+      </p:par>
+    </p:tnLst>
+    <p:bldLst>
+      <p:bldP spid="8" grpId="0" build="p"/>
+    </p:bldLst>
+  </p:timing>
+</p:sld>
+</file>
+
+<file path=ppt/slides/slide5.xml><?xml version="1.0" encoding="utf-8"?>
+<p:sld xmlns:a="http://schemas.openxmlformats.org/drawingml/2006/main" xmlns:r="http://schemas.openxmlformats.org/officeDocument/2006/relationships" xmlns:p="http://schemas.openxmlformats.org/presentationml/2006/main">
+  <p:cSld>
+    <p:spTree>
+      <p:nvGrpSpPr>
+        <p:cNvPr id="1" name=""/>
+        <p:cNvGrpSpPr/>
+        <p:nvPr/>
+      </p:nvGrpSpPr>
+      <p:grpSpPr>
+        <a:xfrm>
+          <a:off x="0" y="0"/>
+          <a:ext cx="0" cy="0"/>
+          <a:chOff x="0" y="0"/>
+          <a:chExt cx="0" cy="0"/>
+        </a:xfrm>
+      </p:grpSpPr>
+      <p:sp>
+        <p:nvSpPr>
+          <p:cNvPr id="2" name="Title 1">
+            <a:extLst>
+              <a:ext uri="{FF2B5EF4-FFF2-40B4-BE49-F238E27FC236}">
+                <a16:creationId xmlns:a16="http://schemas.microsoft.com/office/drawing/2014/main" id="{7304BBA7-9D5E-4B9A-95AF-2E54F4B41C0E}"/>
+              </a:ext>
+            </a:extLst>
+          </p:cNvPr>
+          <p:cNvSpPr>
+            <a:spLocks noGrp="1"/>
+          </p:cNvSpPr>
+          <p:nvPr>
+            <p:ph type="title"/>
+          </p:nvPr>
+        </p:nvSpPr>
         <p:spPr/>
         <p:txBody>
           <a:bodyPr/>
@@ -15687,7 +17579,7 @@
 </p:sld>
 </file>
 
-<file path=ppt/slides/slide5.xml><?xml version="1.0" encoding="utf-8"?>
+<file path=ppt/slides/slide6.xml><?xml version="1.0" encoding="utf-8"?>
 <p:sld xmlns:a="http://schemas.openxmlformats.org/drawingml/2006/main" xmlns:r="http://schemas.openxmlformats.org/officeDocument/2006/relationships" xmlns:p="http://schemas.openxmlformats.org/presentationml/2006/main">
   <p:cSld>
     <p:spTree>
@@ -15763,7 +17655,7 @@
 </p:sld>
 </file>
 
-<file path=ppt/slides/slide6.xml><?xml version="1.0" encoding="utf-8"?>
+<file path=ppt/slides/slide7.xml><?xml version="1.0" encoding="utf-8"?>
 <p:sld xmlns:a="http://schemas.openxmlformats.org/drawingml/2006/main" xmlns:r="http://schemas.openxmlformats.org/officeDocument/2006/relationships" xmlns:p="http://schemas.openxmlformats.org/presentationml/2006/main">
   <p:cSld>
     <p:spTree>
@@ -16749,7 +18641,7 @@
 </p:sld>
 </file>
 
-<file path=ppt/slides/slide7.xml><?xml version="1.0" encoding="utf-8"?>
+<file path=ppt/slides/slide8.xml><?xml version="1.0" encoding="utf-8"?>
 <p:sld xmlns:a="http://schemas.openxmlformats.org/drawingml/2006/main" xmlns:r="http://schemas.openxmlformats.org/officeDocument/2006/relationships" xmlns:p="http://schemas.openxmlformats.org/presentationml/2006/main">
   <p:cSld>
     <p:spTree>
@@ -16825,7 +18717,7 @@
 </p:sld>
 </file>
 
-<file path=ppt/slides/slide8.xml><?xml version="1.0" encoding="utf-8"?>
+<file path=ppt/slides/slide9.xml><?xml version="1.0" encoding="utf-8"?>
 <p:sld xmlns:a="http://schemas.openxmlformats.org/drawingml/2006/main" xmlns:r="http://schemas.openxmlformats.org/officeDocument/2006/relationships" xmlns:p="http://schemas.openxmlformats.org/presentationml/2006/main">
   <p:cSld>
     <p:spTree>
@@ -19387,689 +21279,6 @@
       <p:bldP spid="14" grpId="0" animBg="1"/>
       <p:bldP spid="15" grpId="0" animBg="1"/>
     </p:bldLst>
-  </p:timing>
-</p:sld>
-</file>
-
-<file path=ppt/slides/slide9.xml><?xml version="1.0" encoding="utf-8"?>
-<p:sld xmlns:a="http://schemas.openxmlformats.org/drawingml/2006/main" xmlns:r="http://schemas.openxmlformats.org/officeDocument/2006/relationships" xmlns:p="http://schemas.openxmlformats.org/presentationml/2006/main">
-  <p:cSld>
-    <p:spTree>
-      <p:nvGrpSpPr>
-        <p:cNvPr id="1" name=""/>
-        <p:cNvGrpSpPr/>
-        <p:nvPr/>
-      </p:nvGrpSpPr>
-      <p:grpSpPr>
-        <a:xfrm>
-          <a:off x="0" y="0"/>
-          <a:ext cx="0" cy="0"/>
-          <a:chOff x="0" y="0"/>
-          <a:chExt cx="0" cy="0"/>
-        </a:xfrm>
-      </p:grpSpPr>
-      <p:sp>
-        <p:nvSpPr>
-          <p:cNvPr id="2" name="Title 1">
-            <a:extLst>
-              <a:ext uri="{FF2B5EF4-FFF2-40B4-BE49-F238E27FC236}">
-                <a16:creationId xmlns:a16="http://schemas.microsoft.com/office/drawing/2014/main" id="{27E44846-EE23-4B7D-B117-6BD3695FB65C}"/>
-              </a:ext>
-            </a:extLst>
-          </p:cNvPr>
-          <p:cNvSpPr>
-            <a:spLocks noGrp="1"/>
-          </p:cNvSpPr>
-          <p:nvPr>
-            <p:ph type="title"/>
-          </p:nvPr>
-        </p:nvSpPr>
-        <p:spPr/>
-        <p:txBody>
-          <a:bodyPr/>
-          <a:lstStyle/>
-          <a:p>
-            <a:r>
-              <a:rPr lang="en-GB" dirty="0"/>
-              <a:t>Data Types in Object Oriented Programming</a:t>
-            </a:r>
-          </a:p>
-        </p:txBody>
-      </p:sp>
-      <p:grpSp>
-        <p:nvGrpSpPr>
-          <p:cNvPr id="23" name="Group 22">
-            <a:extLst>
-              <a:ext uri="{FF2B5EF4-FFF2-40B4-BE49-F238E27FC236}">
-                <a16:creationId xmlns:a16="http://schemas.microsoft.com/office/drawing/2014/main" id="{71C6DC02-35AA-4746-B820-FB7F2469C0C3}"/>
-              </a:ext>
-            </a:extLst>
-          </p:cNvPr>
-          <p:cNvGrpSpPr/>
-          <p:nvPr/>
-        </p:nvGrpSpPr>
-        <p:grpSpPr>
-          <a:xfrm>
-            <a:off x="647007" y="1856509"/>
-            <a:ext cx="7849985" cy="4149436"/>
-            <a:chOff x="647007" y="1856509"/>
-            <a:chExt cx="7849985" cy="4149436"/>
-          </a:xfrm>
-        </p:grpSpPr>
-        <p:sp>
-          <p:nvSpPr>
-            <p:cNvPr id="4" name="Rectangle 3">
-              <a:extLst>
-                <a:ext uri="{FF2B5EF4-FFF2-40B4-BE49-F238E27FC236}">
-                  <a16:creationId xmlns:a16="http://schemas.microsoft.com/office/drawing/2014/main" id="{D0948296-EEB5-486C-8E6A-5BF0ADABC116}"/>
-                </a:ext>
-              </a:extLst>
-            </p:cNvPr>
-            <p:cNvSpPr/>
-            <p:nvPr/>
-          </p:nvSpPr>
-          <p:spPr>
-            <a:xfrm>
-              <a:off x="3329478" y="1856509"/>
-              <a:ext cx="2318327" cy="914400"/>
-            </a:xfrm>
-            <a:prstGeom prst="rect">
-              <a:avLst/>
-            </a:prstGeom>
-          </p:spPr>
-          <p:style>
-            <a:lnRef idx="1">
-              <a:schemeClr val="accent3"/>
-            </a:lnRef>
-            <a:fillRef idx="2">
-              <a:schemeClr val="accent3"/>
-            </a:fillRef>
-            <a:effectRef idx="1">
-              <a:schemeClr val="accent3"/>
-            </a:effectRef>
-            <a:fontRef idx="minor">
-              <a:schemeClr val="dk1"/>
-            </a:fontRef>
-          </p:style>
-          <p:txBody>
-            <a:bodyPr rtlCol="0" anchor="ctr"/>
-            <a:lstStyle/>
-            <a:p>
-              <a:pPr algn="ctr"/>
-              <a:r>
-                <a:rPr lang="en-GB" sz="3200" dirty="0"/>
-                <a:t>Data Types</a:t>
-              </a:r>
-            </a:p>
-          </p:txBody>
-        </p:sp>
-        <p:sp>
-          <p:nvSpPr>
-            <p:cNvPr id="5" name="Rectangle 4">
-              <a:extLst>
-                <a:ext uri="{FF2B5EF4-FFF2-40B4-BE49-F238E27FC236}">
-                  <a16:creationId xmlns:a16="http://schemas.microsoft.com/office/drawing/2014/main" id="{8E988071-9D4D-4197-99AE-F32D9F2BE458}"/>
-                </a:ext>
-              </a:extLst>
-            </p:cNvPr>
-            <p:cNvSpPr/>
-            <p:nvPr/>
-          </p:nvSpPr>
-          <p:spPr>
-            <a:xfrm>
-              <a:off x="647007" y="3352800"/>
-              <a:ext cx="2253211" cy="2576945"/>
-            </a:xfrm>
-            <a:prstGeom prst="rect">
-              <a:avLst/>
-            </a:prstGeom>
-            <a:effectLst>
-              <a:glow rad="139700">
-                <a:schemeClr val="accent4">
-                  <a:satMod val="175000"/>
-                  <a:alpha val="40000"/>
-                </a:schemeClr>
-              </a:glow>
-            </a:effectLst>
-          </p:spPr>
-          <p:style>
-            <a:lnRef idx="1">
-              <a:schemeClr val="accent6"/>
-            </a:lnRef>
-            <a:fillRef idx="2">
-              <a:schemeClr val="accent6"/>
-            </a:fillRef>
-            <a:effectRef idx="1">
-              <a:schemeClr val="accent6"/>
-            </a:effectRef>
-            <a:fontRef idx="minor">
-              <a:schemeClr val="dk1"/>
-            </a:fontRef>
-          </p:style>
-          <p:txBody>
-            <a:bodyPr rtlCol="0" anchor="t"/>
-            <a:lstStyle/>
-            <a:p>
-              <a:pPr algn="ctr"/>
-              <a:r>
-                <a:rPr lang="en-GB" u="sng" dirty="0"/>
-                <a:t>Primitive</a:t>
-              </a:r>
-            </a:p>
-            <a:p>
-              <a:r>
-                <a:rPr lang="en-GB" dirty="0"/>
-                <a:t>Integer</a:t>
-              </a:r>
-            </a:p>
-            <a:p>
-              <a:r>
-                <a:rPr lang="en-GB" dirty="0"/>
-                <a:t>Character</a:t>
-              </a:r>
-            </a:p>
-            <a:p>
-              <a:r>
-                <a:rPr lang="en-GB" dirty="0"/>
-                <a:t>Boolean</a:t>
-              </a:r>
-            </a:p>
-            <a:p>
-              <a:r>
-                <a:rPr lang="en-GB" dirty="0"/>
-                <a:t>Floating point</a:t>
-              </a:r>
-            </a:p>
-            <a:p>
-              <a:r>
-                <a:rPr lang="en-GB" dirty="0"/>
-                <a:t>Double floating point</a:t>
-              </a:r>
-            </a:p>
-            <a:p>
-              <a:r>
-                <a:rPr lang="en-GB" dirty="0"/>
-                <a:t>Void</a:t>
-              </a:r>
-            </a:p>
-            <a:p>
-              <a:r>
-                <a:rPr lang="en-GB" strike="sngStrike" dirty="0">
-                  <a:solidFill>
-                    <a:srgbClr val="FF0000"/>
-                  </a:solidFill>
-                </a:rPr>
-                <a:t>Wide Character</a:t>
-              </a:r>
-            </a:p>
-          </p:txBody>
-        </p:sp>
-        <p:sp>
-          <p:nvSpPr>
-            <p:cNvPr id="6" name="Rectangle 5">
-              <a:extLst>
-                <a:ext uri="{FF2B5EF4-FFF2-40B4-BE49-F238E27FC236}">
-                  <a16:creationId xmlns:a16="http://schemas.microsoft.com/office/drawing/2014/main" id="{F792EB32-8B62-4B22-9063-4BE5E2E5C032}"/>
-                </a:ext>
-              </a:extLst>
-            </p:cNvPr>
-            <p:cNvSpPr/>
-            <p:nvPr/>
-          </p:nvSpPr>
-          <p:spPr>
-            <a:xfrm>
-              <a:off x="3541914" y="3429000"/>
-              <a:ext cx="2105891" cy="2576945"/>
-            </a:xfrm>
-            <a:prstGeom prst="rect">
-              <a:avLst/>
-            </a:prstGeom>
-            <a:effectLst>
-              <a:glow rad="228600">
-                <a:schemeClr val="accent3">
-                  <a:satMod val="175000"/>
-                  <a:alpha val="40000"/>
-                </a:schemeClr>
-              </a:glow>
-            </a:effectLst>
-          </p:spPr>
-          <p:style>
-            <a:lnRef idx="1">
-              <a:schemeClr val="accent5"/>
-            </a:lnRef>
-            <a:fillRef idx="2">
-              <a:schemeClr val="accent5"/>
-            </a:fillRef>
-            <a:effectRef idx="1">
-              <a:schemeClr val="accent5"/>
-            </a:effectRef>
-            <a:fontRef idx="minor">
-              <a:schemeClr val="dk1"/>
-            </a:fontRef>
-          </p:style>
-          <p:txBody>
-            <a:bodyPr rtlCol="0" anchor="t"/>
-            <a:lstStyle/>
-            <a:p>
-              <a:pPr algn="ctr"/>
-              <a:r>
-                <a:rPr lang="en-GB" u="sng" dirty="0"/>
-                <a:t>Derived</a:t>
-              </a:r>
-            </a:p>
-            <a:p>
-              <a:r>
-                <a:rPr lang="en-GB" dirty="0"/>
-                <a:t>Array</a:t>
-              </a:r>
-            </a:p>
-            <a:p>
-              <a:r>
-                <a:rPr lang="en-GB" strike="sngStrike" dirty="0">
-                  <a:solidFill>
-                    <a:srgbClr val="FF0000"/>
-                  </a:solidFill>
-                </a:rPr>
-                <a:t>Pointer</a:t>
-              </a:r>
-            </a:p>
-            <a:p>
-              <a:r>
-                <a:rPr lang="en-GB" strike="sngStrike" dirty="0">
-                  <a:solidFill>
-                    <a:srgbClr val="FF0000"/>
-                  </a:solidFill>
-                </a:rPr>
-                <a:t>Reference</a:t>
-              </a:r>
-            </a:p>
-          </p:txBody>
-        </p:sp>
-        <p:sp>
-          <p:nvSpPr>
-            <p:cNvPr id="7" name="Rectangle 6">
-              <a:extLst>
-                <a:ext uri="{FF2B5EF4-FFF2-40B4-BE49-F238E27FC236}">
-                  <a16:creationId xmlns:a16="http://schemas.microsoft.com/office/drawing/2014/main" id="{63E155E3-8592-4CDE-B55B-B627E700AC3A}"/>
-                </a:ext>
-              </a:extLst>
-            </p:cNvPr>
-            <p:cNvSpPr/>
-            <p:nvPr/>
-          </p:nvSpPr>
-          <p:spPr>
-            <a:xfrm>
-              <a:off x="6391101" y="3429000"/>
-              <a:ext cx="2105891" cy="2576945"/>
-            </a:xfrm>
-            <a:prstGeom prst="rect">
-              <a:avLst/>
-            </a:prstGeom>
-            <a:effectLst>
-              <a:glow rad="101600">
-                <a:schemeClr val="accent6">
-                  <a:satMod val="175000"/>
-                  <a:alpha val="40000"/>
-                </a:schemeClr>
-              </a:glow>
-            </a:effectLst>
-          </p:spPr>
-          <p:style>
-            <a:lnRef idx="1">
-              <a:schemeClr val="accent4"/>
-            </a:lnRef>
-            <a:fillRef idx="2">
-              <a:schemeClr val="accent4"/>
-            </a:fillRef>
-            <a:effectRef idx="1">
-              <a:schemeClr val="accent4"/>
-            </a:effectRef>
-            <a:fontRef idx="minor">
-              <a:schemeClr val="dk1"/>
-            </a:fontRef>
-          </p:style>
-          <p:txBody>
-            <a:bodyPr rtlCol="0" anchor="t"/>
-            <a:lstStyle/>
-            <a:p>
-              <a:pPr algn="ctr"/>
-              <a:r>
-                <a:rPr lang="en-GB" u="sng" dirty="0"/>
-                <a:t>User Defined</a:t>
-              </a:r>
-            </a:p>
-            <a:p>
-              <a:r>
-                <a:rPr lang="en-GB" dirty="0"/>
-                <a:t>Class</a:t>
-              </a:r>
-            </a:p>
-            <a:p>
-              <a:r>
-                <a:rPr lang="en-US" dirty="0"/>
-                <a:t>Object</a:t>
-              </a:r>
-              <a:endParaRPr lang="en-GB" dirty="0"/>
-            </a:p>
-            <a:p>
-              <a:r>
-                <a:rPr lang="en-GB" strike="sngStrike" dirty="0">
-                  <a:solidFill>
-                    <a:srgbClr val="FF0000"/>
-                  </a:solidFill>
-                </a:rPr>
-                <a:t>Structure</a:t>
-              </a:r>
-            </a:p>
-            <a:p>
-              <a:r>
-                <a:rPr lang="en-GB" strike="sngStrike" dirty="0">
-                  <a:solidFill>
-                    <a:srgbClr val="FF0000"/>
-                  </a:solidFill>
-                </a:rPr>
-                <a:t>Union</a:t>
-              </a:r>
-            </a:p>
-            <a:p>
-              <a:r>
-                <a:rPr lang="en-GB" dirty="0" err="1">
-                  <a:solidFill>
-                    <a:schemeClr val="tx1"/>
-                  </a:solidFill>
-                </a:rPr>
-                <a:t>Enum</a:t>
-              </a:r>
-              <a:endParaRPr lang="en-GB" dirty="0">
-                <a:solidFill>
-                  <a:schemeClr val="tx1"/>
-                </a:solidFill>
-              </a:endParaRPr>
-            </a:p>
-            <a:p>
-              <a:r>
-                <a:rPr lang="en-GB" strike="sngStrike" dirty="0" err="1">
-                  <a:solidFill>
-                    <a:srgbClr val="FF0000"/>
-                  </a:solidFill>
-                </a:rPr>
-                <a:t>Typedef</a:t>
-              </a:r>
-              <a:endParaRPr lang="en-GB" strike="sngStrike" dirty="0">
-                <a:solidFill>
-                  <a:srgbClr val="FF0000"/>
-                </a:solidFill>
-              </a:endParaRPr>
-            </a:p>
-            <a:p>
-              <a:r>
-                <a:rPr lang="en-GB" dirty="0"/>
-                <a:t>Function</a:t>
-              </a:r>
-            </a:p>
-          </p:txBody>
-        </p:sp>
-        <p:cxnSp>
-          <p:nvCxnSpPr>
-            <p:cNvPr id="9" name="Connector: Elbow 8">
-              <a:extLst>
-                <a:ext uri="{FF2B5EF4-FFF2-40B4-BE49-F238E27FC236}">
-                  <a16:creationId xmlns:a16="http://schemas.microsoft.com/office/drawing/2014/main" id="{148AE585-AAFE-41C4-BD05-5D87CEF76F7E}"/>
-                </a:ext>
-              </a:extLst>
-            </p:cNvPr>
-            <p:cNvCxnSpPr>
-              <a:cxnSpLocks/>
-              <a:stCxn id="4" idx="2"/>
-              <a:endCxn id="5" idx="0"/>
-            </p:cNvCxnSpPr>
-            <p:nvPr/>
-          </p:nvCxnSpPr>
-          <p:spPr>
-            <a:xfrm rot="5400000">
-              <a:off x="2840183" y="1704340"/>
-              <a:ext cx="581891" cy="2715029"/>
-            </a:xfrm>
-            <a:prstGeom prst="bentConnector3">
-              <a:avLst>
-                <a:gd name="adj1" fmla="val 50000"/>
-              </a:avLst>
-            </a:prstGeom>
-            <a:ln w="38100">
-              <a:tailEnd type="triangle"/>
-            </a:ln>
-          </p:spPr>
-          <p:style>
-            <a:lnRef idx="3">
-              <a:schemeClr val="accent3"/>
-            </a:lnRef>
-            <a:fillRef idx="0">
-              <a:schemeClr val="accent3"/>
-            </a:fillRef>
-            <a:effectRef idx="2">
-              <a:schemeClr val="accent3"/>
-            </a:effectRef>
-            <a:fontRef idx="minor">
-              <a:schemeClr val="tx1"/>
-            </a:fontRef>
-          </p:style>
-        </p:cxnSp>
-        <p:cxnSp>
-          <p:nvCxnSpPr>
-            <p:cNvPr id="14" name="Straight Arrow Connector 13">
-              <a:extLst>
-                <a:ext uri="{FF2B5EF4-FFF2-40B4-BE49-F238E27FC236}">
-                  <a16:creationId xmlns:a16="http://schemas.microsoft.com/office/drawing/2014/main" id="{C2C60354-B0B1-4D12-B648-B76CE015E0A1}"/>
-                </a:ext>
-              </a:extLst>
-            </p:cNvPr>
-            <p:cNvCxnSpPr>
-              <a:cxnSpLocks/>
-            </p:cNvCxnSpPr>
-            <p:nvPr/>
-          </p:nvCxnSpPr>
-          <p:spPr>
-            <a:xfrm flipH="1">
-              <a:off x="4479405" y="2770909"/>
-              <a:ext cx="1" cy="658091"/>
-            </a:xfrm>
-            <a:prstGeom prst="straightConnector1">
-              <a:avLst/>
-            </a:prstGeom>
-            <a:ln>
-              <a:tailEnd type="triangle"/>
-            </a:ln>
-          </p:spPr>
-          <p:style>
-            <a:lnRef idx="3">
-              <a:schemeClr val="accent3"/>
-            </a:lnRef>
-            <a:fillRef idx="0">
-              <a:schemeClr val="accent3"/>
-            </a:fillRef>
-            <a:effectRef idx="2">
-              <a:schemeClr val="accent3"/>
-            </a:effectRef>
-            <a:fontRef idx="minor">
-              <a:schemeClr val="tx1"/>
-            </a:fontRef>
-          </p:style>
-        </p:cxnSp>
-        <p:cxnSp>
-          <p:nvCxnSpPr>
-            <p:cNvPr id="16" name="Connector: Elbow 15">
-              <a:extLst>
-                <a:ext uri="{FF2B5EF4-FFF2-40B4-BE49-F238E27FC236}">
-                  <a16:creationId xmlns:a16="http://schemas.microsoft.com/office/drawing/2014/main" id="{8CAC068F-2642-4598-A18E-D2F15126F581}"/>
-                </a:ext>
-              </a:extLst>
-            </p:cNvPr>
-            <p:cNvCxnSpPr>
-              <a:cxnSpLocks/>
-            </p:cNvCxnSpPr>
-            <p:nvPr/>
-          </p:nvCxnSpPr>
-          <p:spPr>
-            <a:xfrm>
-              <a:off x="4479404" y="3061855"/>
-              <a:ext cx="2955407" cy="367145"/>
-            </a:xfrm>
-            <a:prstGeom prst="bentConnector2">
-              <a:avLst/>
-            </a:prstGeom>
-            <a:ln w="38100">
-              <a:tailEnd type="triangle"/>
-            </a:ln>
-          </p:spPr>
-          <p:style>
-            <a:lnRef idx="3">
-              <a:schemeClr val="accent3"/>
-            </a:lnRef>
-            <a:fillRef idx="0">
-              <a:schemeClr val="accent3"/>
-            </a:fillRef>
-            <a:effectRef idx="2">
-              <a:schemeClr val="accent3"/>
-            </a:effectRef>
-            <a:fontRef idx="minor">
-              <a:schemeClr val="tx1"/>
-            </a:fontRef>
-          </p:style>
-        </p:cxnSp>
-      </p:grpSp>
-    </p:spTree>
-    <p:extLst>
-      <p:ext uri="{BB962C8B-B14F-4D97-AF65-F5344CB8AC3E}">
-        <p14:creationId xmlns:p14="http://schemas.microsoft.com/office/powerpoint/2010/main" val="41702972"/>
-      </p:ext>
-    </p:extLst>
-  </p:cSld>
-  <p:clrMapOvr>
-    <a:masterClrMapping/>
-  </p:clrMapOvr>
-  <p:transition spd="slow">
-    <p:push dir="u"/>
-  </p:transition>
-  <p:timing>
-    <p:tnLst>
-      <p:par>
-        <p:cTn id="1" dur="indefinite" restart="never" nodeType="tmRoot">
-          <p:childTnLst>
-            <p:seq concurrent="1" nextAc="seek">
-              <p:cTn id="2" dur="indefinite" nodeType="mainSeq">
-                <p:childTnLst>
-                  <p:par>
-                    <p:cTn id="3" fill="hold">
-                      <p:stCondLst>
-                        <p:cond delay="indefinite"/>
-                      </p:stCondLst>
-                      <p:childTnLst>
-                        <p:par>
-                          <p:cTn id="4" fill="hold">
-                            <p:stCondLst>
-                              <p:cond delay="0"/>
-                            </p:stCondLst>
-                            <p:childTnLst>
-                              <p:par>
-                                <p:cTn id="5" presetID="2" presetClass="entr" presetSubtype="4" fill="hold" nodeType="clickEffect">
-                                  <p:stCondLst>
-                                    <p:cond delay="0"/>
-                                  </p:stCondLst>
-                                  <p:childTnLst>
-                                    <p:set>
-                                      <p:cBhvr>
-                                        <p:cTn id="6" dur="1" fill="hold">
-                                          <p:stCondLst>
-                                            <p:cond delay="0"/>
-                                          </p:stCondLst>
-                                        </p:cTn>
-                                        <p:tgtEl>
-                                          <p:spTgt spid="23"/>
-                                        </p:tgtEl>
-                                        <p:attrNameLst>
-                                          <p:attrName>style.visibility</p:attrName>
-                                        </p:attrNameLst>
-                                      </p:cBhvr>
-                                      <p:to>
-                                        <p:strVal val="visible"/>
-                                      </p:to>
-                                    </p:set>
-                                    <p:anim calcmode="lin" valueType="num">
-                                      <p:cBhvr additive="base">
-                                        <p:cTn id="7" dur="500" fill="hold"/>
-                                        <p:tgtEl>
-                                          <p:spTgt spid="23"/>
-                                        </p:tgtEl>
-                                        <p:attrNameLst>
-                                          <p:attrName>ppt_x</p:attrName>
-                                        </p:attrNameLst>
-                                      </p:cBhvr>
-                                      <p:tavLst>
-                                        <p:tav tm="0">
-                                          <p:val>
-                                            <p:strVal val="#ppt_x"/>
-                                          </p:val>
-                                        </p:tav>
-                                        <p:tav tm="100000">
-                                          <p:val>
-                                            <p:strVal val="#ppt_x"/>
-                                          </p:val>
-                                        </p:tav>
-                                      </p:tavLst>
-                                    </p:anim>
-                                    <p:anim calcmode="lin" valueType="num">
-                                      <p:cBhvr additive="base">
-                                        <p:cTn id="8" dur="500" fill="hold"/>
-                                        <p:tgtEl>
-                                          <p:spTgt spid="23"/>
-                                        </p:tgtEl>
-                                        <p:attrNameLst>
-                                          <p:attrName>ppt_y</p:attrName>
-                                        </p:attrNameLst>
-                                      </p:cBhvr>
-                                      <p:tavLst>
-                                        <p:tav tm="0">
-                                          <p:val>
-                                            <p:strVal val="1+#ppt_h/2"/>
-                                          </p:val>
-                                        </p:tav>
-                                        <p:tav tm="100000">
-                                          <p:val>
-                                            <p:strVal val="#ppt_y"/>
-                                          </p:val>
-                                        </p:tav>
-                                      </p:tavLst>
-                                    </p:anim>
-                                  </p:childTnLst>
-                                </p:cTn>
-                              </p:par>
-                            </p:childTnLst>
-                          </p:cTn>
-                        </p:par>
-                      </p:childTnLst>
-                    </p:cTn>
-                  </p:par>
-                </p:childTnLst>
-              </p:cTn>
-              <p:prevCondLst>
-                <p:cond evt="onPrev" delay="0">
-                  <p:tgtEl>
-                    <p:sldTgt/>
-                  </p:tgtEl>
-                </p:cond>
-              </p:prevCondLst>
-              <p:nextCondLst>
-                <p:cond evt="onNext" delay="0">
-                  <p:tgtEl>
-                    <p:sldTgt/>
-                  </p:tgtEl>
-                </p:cond>
-              </p:nextCondLst>
-            </p:seq>
-          </p:childTnLst>
-        </p:cTn>
-      </p:par>
-    </p:tnLst>
   </p:timing>
 </p:sld>
 </file>
@@ -20617,16 +21826,16 @@
 <file path=customXml/itemProps2.xml><?xml version="1.0" encoding="utf-8"?>
 <ds:datastoreItem xmlns:ds="http://schemas.openxmlformats.org/officeDocument/2006/customXml" ds:itemID="{1B174DBE-1AD7-495B-B168-212A7EE723A6}">
   <ds:schemaRefs>
+    <ds:schemaRef ds:uri="http://purl.org/dc/terms/"/>
+    <ds:schemaRef ds:uri="http://purl.org/dc/dcmitype/"/>
     <ds:schemaRef ds:uri="http://purl.org/dc/elements/1.1/"/>
-    <ds:schemaRef ds:uri="c2e86655-d7ed-4420-bc92-1b9547829f54"/>
     <ds:schemaRef ds:uri="http://schemas.microsoft.com/office/infopath/2007/PartnerControls"/>
-    <ds:schemaRef ds:uri="cab83b3b-4db3-4a13-8dd4-e60be6d87cf5"/>
-    <ds:schemaRef ds:uri="http://purl.org/dc/terms/"/>
     <ds:schemaRef ds:uri="http://schemas.microsoft.com/office/2006/metadata/properties"/>
     <ds:schemaRef ds:uri="http://schemas.microsoft.com/office/2006/documentManagement/types"/>
+    <ds:schemaRef ds:uri="c2e86655-d7ed-4420-bc92-1b9547829f54"/>
     <ds:schemaRef ds:uri="http://schemas.openxmlformats.org/package/2006/metadata/core-properties"/>
+    <ds:schemaRef ds:uri="cab83b3b-4db3-4a13-8dd4-e60be6d87cf5"/>
     <ds:schemaRef ds:uri="http://www.w3.org/XML/1998/namespace"/>
-    <ds:schemaRef ds:uri="http://purl.org/dc/dcmitype/"/>
   </ds:schemaRefs>
 </ds:datastoreItem>
 </file>

--- a/thesis/ukapp2/wqu_isc/sofware_design/Javabc01.pptx
+++ b/thesis/ukapp2/wqu_isc/sofware_design/Javabc01.pptx
@@ -4160,15 +4160,7 @@
             </a:pPr>
             <a:r>
               <a:rPr lang="en-GB" dirty="0"/>
-              <a:t>        float x = 5; //</a:t>
-            </a:r>
-            <a:r>
-              <a:rPr lang="en-GB" dirty="0" err="1"/>
-              <a:t>int</a:t>
-            </a:r>
-            <a:r>
-              <a:rPr lang="en-GB" dirty="0"/>
-              <a:t> = integer type (whole numbers)</a:t>
+              <a:t>        float xx = 5; //int = integer type (whole numbers)</a:t>
             </a:r>
           </a:p>
           <a:p>
@@ -4194,7 +4186,7 @@
             </a:r>
             <a:r>
               <a:rPr lang="en-GB" dirty="0"/>
-              <a:t>((x + y) + " " + (x / y));</a:t>
+              <a:t>((xx + y) + " " + (xx / y));</a:t>
             </a:r>
           </a:p>
           <a:p>
@@ -4639,7 +4631,7 @@
         </p:nvSpPr>
         <p:spPr>
           <a:xfrm>
-            <a:off x="3352800" y="4741332"/>
+            <a:off x="3383280" y="4741331"/>
             <a:ext cx="1722120" cy="266702"/>
           </a:xfrm>
           <a:prstGeom prst="ellipse">
@@ -9223,7 +9215,7 @@
             <p:ph idx="1"/>
             <p:extLst>
               <p:ext uri="{D42A27DB-BD31-4B8C-83A1-F6EECF244321}">
-                <p14:modId xmlns:p14="http://schemas.microsoft.com/office/powerpoint/2010/main" val="1542963779"/>
+                <p14:modId xmlns:p14="http://schemas.microsoft.com/office/powerpoint/2010/main" val="4003229715"/>
               </p:ext>
             </p:extLst>
           </p:nvPr>
@@ -9475,7 +9467,7 @@
                     <a:p>
                       <a:r>
                         <a:rPr lang="en-US" dirty="0"/>
-                        <a:t>4. Console input and output</a:t>
+                        <a:t>4. User-defined operator-overloading</a:t>
                       </a:r>
                       <a:endParaRPr lang="en-GB" dirty="0"/>
                     </a:p>
@@ -25546,6 +25538,12 @@
 </file>
 
 <file path=customXml/item1.xml><?xml version="1.0" encoding="utf-8"?>
+<p:properties xmlns:p="http://schemas.microsoft.com/office/2006/metadata/properties" xmlns:xsi="http://www.w3.org/2001/XMLSchema-instance" xmlns:pc="http://schemas.microsoft.com/office/infopath/2007/PartnerControls">
+  <documentManagement/>
+</p:properties>
+</file>
+
+<file path=customXml/item2.xml><?xml version="1.0" encoding="utf-8"?>
 <ct:contentTypeSchema xmlns:ct="http://schemas.microsoft.com/office/2006/metadata/contentType" xmlns:ma="http://schemas.microsoft.com/office/2006/metadata/properties/metaAttributes" ct:_="" ma:_="" ma:contentTypeName="Document" ma:contentTypeID="0x010100062A1965C0ED8D4B93D90EC9097FB304" ma:contentTypeVersion="13" ma:contentTypeDescription="Create a new document." ma:contentTypeScope="" ma:versionID="ad8c00255a362f38b965062bb6973433">
   <xsd:schema xmlns:xsd="http://www.w3.org/2001/XMLSchema" xmlns:xs="http://www.w3.org/2001/XMLSchema" xmlns:p="http://schemas.microsoft.com/office/2006/metadata/properties" xmlns:ns3="cab83b3b-4db3-4a13-8dd4-e60be6d87cf5" xmlns:ns4="c2e86655-d7ed-4420-bc92-1b9547829f54" targetNamespace="http://schemas.microsoft.com/office/2006/metadata/properties" ma:root="true" ma:fieldsID="d47f86c9060cacabc5fb99b2dd628c7d" ns3:_="" ns4:_="">
     <xsd:import namespace="cab83b3b-4db3-4a13-8dd4-e60be6d87cf5"/>
@@ -25768,12 +25766,6 @@
 </ct:contentTypeSchema>
 </file>
 
-<file path=customXml/item2.xml><?xml version="1.0" encoding="utf-8"?>
-<p:properties xmlns:p="http://schemas.microsoft.com/office/2006/metadata/properties" xmlns:xsi="http://www.w3.org/2001/XMLSchema-instance" xmlns:pc="http://schemas.microsoft.com/office/infopath/2007/PartnerControls">
-  <documentManagement/>
-</p:properties>
-</file>
-
 <file path=customXml/item3.xml><?xml version="1.0" encoding="utf-8"?>
 <?mso-contentType ?>
 <FormTemplates xmlns="http://schemas.microsoft.com/sharepoint/v3/contenttype/forms">
@@ -25784,6 +25776,23 @@
 </file>
 
 <file path=customXml/itemProps1.xml><?xml version="1.0" encoding="utf-8"?>
+<ds:datastoreItem xmlns:ds="http://schemas.openxmlformats.org/officeDocument/2006/customXml" ds:itemID="{1B174DBE-1AD7-495B-B168-212A7EE723A6}">
+  <ds:schemaRefs>
+    <ds:schemaRef ds:uri="http://purl.org/dc/terms/"/>
+    <ds:schemaRef ds:uri="http://purl.org/dc/dcmitype/"/>
+    <ds:schemaRef ds:uri="http://purl.org/dc/elements/1.1/"/>
+    <ds:schemaRef ds:uri="http://schemas.microsoft.com/office/infopath/2007/PartnerControls"/>
+    <ds:schemaRef ds:uri="http://schemas.microsoft.com/office/2006/metadata/properties"/>
+    <ds:schemaRef ds:uri="http://schemas.microsoft.com/office/2006/documentManagement/types"/>
+    <ds:schemaRef ds:uri="c2e86655-d7ed-4420-bc92-1b9547829f54"/>
+    <ds:schemaRef ds:uri="http://schemas.openxmlformats.org/package/2006/metadata/core-properties"/>
+    <ds:schemaRef ds:uri="cab83b3b-4db3-4a13-8dd4-e60be6d87cf5"/>
+    <ds:schemaRef ds:uri="http://www.w3.org/XML/1998/namespace"/>
+  </ds:schemaRefs>
+</ds:datastoreItem>
+</file>
+
+<file path=customXml/itemProps2.xml><?xml version="1.0" encoding="utf-8"?>
 <ds:datastoreItem xmlns:ds="http://schemas.openxmlformats.org/officeDocument/2006/customXml" ds:itemID="{03233C07-2685-44F7-9601-FF64EA49BA1B}">
   <ds:schemaRefs>
     <ds:schemaRef ds:uri="http://schemas.microsoft.com/office/2006/metadata/contentType"/>
@@ -25802,23 +25811,6 @@
 </ds:datastoreItem>
 </file>
 
-<file path=customXml/itemProps2.xml><?xml version="1.0" encoding="utf-8"?>
-<ds:datastoreItem xmlns:ds="http://schemas.openxmlformats.org/officeDocument/2006/customXml" ds:itemID="{1B174DBE-1AD7-495B-B168-212A7EE723A6}">
-  <ds:schemaRefs>
-    <ds:schemaRef ds:uri="http://purl.org/dc/terms/"/>
-    <ds:schemaRef ds:uri="http://purl.org/dc/dcmitype/"/>
-    <ds:schemaRef ds:uri="http://purl.org/dc/elements/1.1/"/>
-    <ds:schemaRef ds:uri="http://schemas.microsoft.com/office/infopath/2007/PartnerControls"/>
-    <ds:schemaRef ds:uri="http://schemas.microsoft.com/office/2006/metadata/properties"/>
-    <ds:schemaRef ds:uri="http://schemas.microsoft.com/office/2006/documentManagement/types"/>
-    <ds:schemaRef ds:uri="c2e86655-d7ed-4420-bc92-1b9547829f54"/>
-    <ds:schemaRef ds:uri="http://schemas.openxmlformats.org/package/2006/metadata/core-properties"/>
-    <ds:schemaRef ds:uri="cab83b3b-4db3-4a13-8dd4-e60be6d87cf5"/>
-    <ds:schemaRef ds:uri="http://www.w3.org/XML/1998/namespace"/>
-  </ds:schemaRefs>
-</ds:datastoreItem>
-</file>
-
 <file path=customXml/itemProps3.xml><?xml version="1.0" encoding="utf-8"?>
 <ds:datastoreItem xmlns:ds="http://schemas.openxmlformats.org/officeDocument/2006/customXml" ds:itemID="{07A05CC1-FF68-453F-AE9C-352B80151440}">
   <ds:schemaRefs>

--- a/thesis/ukapp2/wqu_isc/sofware_design/Javabc01.pptx
+++ b/thesis/ukapp2/wqu_isc/sofware_design/Javabc01.pptx
@@ -374,7 +374,7 @@
           <a:p>
             <a:fld id="{CD13FC2D-BEDB-45BE-AF82-649A39BEFF71}" type="datetimeFigureOut">
               <a:rPr lang="en-GB" smtClean="0"/>
-              <a:t>21/10/2020</a:t>
+              <a:t>23/10/2020</a:t>
             </a:fld>
             <a:endParaRPr lang="en-GB"/>
           </a:p>
@@ -585,7 +585,7 @@
           <a:p>
             <a:fld id="{CD13FC2D-BEDB-45BE-AF82-649A39BEFF71}" type="datetimeFigureOut">
               <a:rPr lang="en-GB" smtClean="0"/>
-              <a:t>21/10/2020</a:t>
+              <a:t>23/10/2020</a:t>
             </a:fld>
             <a:endParaRPr lang="en-GB"/>
           </a:p>
@@ -844,7 +844,7 @@
           <a:p>
             <a:fld id="{CD13FC2D-BEDB-45BE-AF82-649A39BEFF71}" type="datetimeFigureOut">
               <a:rPr lang="en-GB" smtClean="0"/>
-              <a:t>21/10/2020</a:t>
+              <a:t>23/10/2020</a:t>
             </a:fld>
             <a:endParaRPr lang="en-GB"/>
           </a:p>
@@ -1017,7 +1017,7 @@
           <a:p>
             <a:fld id="{CD13FC2D-BEDB-45BE-AF82-649A39BEFF71}" type="datetimeFigureOut">
               <a:rPr lang="en-GB" smtClean="0"/>
-              <a:t>21/10/2020</a:t>
+              <a:t>23/10/2020</a:t>
             </a:fld>
             <a:endParaRPr lang="en-GB"/>
           </a:p>
@@ -1363,7 +1363,7 @@
           <a:p>
             <a:fld id="{CD13FC2D-BEDB-45BE-AF82-649A39BEFF71}" type="datetimeFigureOut">
               <a:rPr lang="en-GB" smtClean="0"/>
-              <a:t>21/10/2020</a:t>
+              <a:t>23/10/2020</a:t>
             </a:fld>
             <a:endParaRPr lang="en-GB"/>
           </a:p>
@@ -1641,7 +1641,7 @@
           <a:p>
             <a:fld id="{CD13FC2D-BEDB-45BE-AF82-649A39BEFF71}" type="datetimeFigureOut">
               <a:rPr lang="en-GB" smtClean="0"/>
-              <a:t>21/10/2020</a:t>
+              <a:t>23/10/2020</a:t>
             </a:fld>
             <a:endParaRPr lang="en-GB"/>
           </a:p>
@@ -2023,7 +2023,7 @@
           <a:p>
             <a:fld id="{CD13FC2D-BEDB-45BE-AF82-649A39BEFF71}" type="datetimeFigureOut">
               <a:rPr lang="en-GB" smtClean="0"/>
-              <a:t>21/10/2020</a:t>
+              <a:t>23/10/2020</a:t>
             </a:fld>
             <a:endParaRPr lang="en-GB"/>
           </a:p>
@@ -2144,7 +2144,7 @@
           <a:p>
             <a:fld id="{CD13FC2D-BEDB-45BE-AF82-649A39BEFF71}" type="datetimeFigureOut">
               <a:rPr lang="en-GB" smtClean="0"/>
-              <a:t>21/10/2020</a:t>
+              <a:t>23/10/2020</a:t>
             </a:fld>
             <a:endParaRPr lang="en-GB"/>
           </a:p>
@@ -2318,7 +2318,7 @@
           <a:p>
             <a:fld id="{CD13FC2D-BEDB-45BE-AF82-649A39BEFF71}" type="datetimeFigureOut">
               <a:rPr lang="en-GB" smtClean="0"/>
-              <a:t>21/10/2020</a:t>
+              <a:t>23/10/2020</a:t>
             </a:fld>
             <a:endParaRPr lang="en-GB"/>
           </a:p>
@@ -2675,7 +2675,7 @@
           <a:p>
             <a:fld id="{CD13FC2D-BEDB-45BE-AF82-649A39BEFF71}" type="datetimeFigureOut">
               <a:rPr lang="en-GB" smtClean="0"/>
-              <a:t>21/10/2020</a:t>
+              <a:t>23/10/2020</a:t>
             </a:fld>
             <a:endParaRPr lang="en-GB"/>
           </a:p>
@@ -3060,7 +3060,7 @@
           <a:p>
             <a:fld id="{CD13FC2D-BEDB-45BE-AF82-649A39BEFF71}" type="datetimeFigureOut">
               <a:rPr lang="en-GB" smtClean="0"/>
-              <a:t>21/10/2020</a:t>
+              <a:t>23/10/2020</a:t>
             </a:fld>
             <a:endParaRPr lang="en-GB"/>
           </a:p>
@@ -3350,7 +3350,7 @@
           <a:p>
             <a:fld id="{CD13FC2D-BEDB-45BE-AF82-649A39BEFF71}" type="datetimeFigureOut">
               <a:rPr lang="en-GB" smtClean="0"/>
-              <a:t>21/10/2020</a:t>
+              <a:t>23/10/2020</a:t>
             </a:fld>
             <a:endParaRPr lang="en-GB"/>
           </a:p>
@@ -10175,12 +10175,8 @@
               <a:buChar char="v"/>
             </a:pPr>
             <a:r>
-              <a:rPr lang="en-GB"/>
-              <a:t> Assignment </a:t>
-            </a:r>
-            <a:r>
               <a:rPr lang="en-GB" dirty="0"/>
-              <a:t>Operations (=, +=,-=, /=, *=, %=, ++, --)</a:t>
+              <a:t> Assignment Operations (=, +=,-=, /=, *=, %=, ++, --)</a:t>
             </a:r>
           </a:p>
           <a:p>
@@ -10211,6 +10207,18 @@
             <a:r>
               <a:rPr lang="en-US" dirty="0"/>
               <a:t>Bitwise operators (&amp;, |, ^, ~, &gt;&gt;, &lt;&lt;)</a:t>
+            </a:r>
+          </a:p>
+          <a:p>
+            <a:pPr>
+              <a:buFont typeface="Wingdings" panose="05000000000000000000" pitchFamily="2" charset="2"/>
+              <a:buChar char="v"/>
+            </a:pPr>
+            <a:r>
+              <a:rPr lang="en-US" dirty="0">
+                <a:hlinkClick r:id="rId2"/>
+              </a:rPr>
+              <a:t> Use this resource for individual examples of the above</a:t>
             </a:r>
             <a:endParaRPr lang="en-GB" dirty="0"/>
           </a:p>
@@ -10826,6 +10834,109 @@
                                           <p:spTgt spid="3">
                                             <p:txEl>
                                               <p:pRg st="5" end="5"/>
+                                            </p:txEl>
+                                          </p:spTgt>
+                                        </p:tgtEl>
+                                        <p:attrNameLst>
+                                          <p:attrName>ppt_y</p:attrName>
+                                        </p:attrNameLst>
+                                      </p:cBhvr>
+                                      <p:tavLst>
+                                        <p:tav tm="0">
+                                          <p:val>
+                                            <p:strVal val="1+#ppt_h/2"/>
+                                          </p:val>
+                                        </p:tav>
+                                        <p:tav tm="100000">
+                                          <p:val>
+                                            <p:strVal val="#ppt_y"/>
+                                          </p:val>
+                                        </p:tav>
+                                      </p:tavLst>
+                                    </p:anim>
+                                  </p:childTnLst>
+                                </p:cTn>
+                              </p:par>
+                            </p:childTnLst>
+                          </p:cTn>
+                        </p:par>
+                      </p:childTnLst>
+                    </p:cTn>
+                  </p:par>
+                  <p:par>
+                    <p:cTn id="39" fill="hold">
+                      <p:stCondLst>
+                        <p:cond delay="indefinite"/>
+                      </p:stCondLst>
+                      <p:childTnLst>
+                        <p:par>
+                          <p:cTn id="40" fill="hold">
+                            <p:stCondLst>
+                              <p:cond delay="0"/>
+                            </p:stCondLst>
+                            <p:childTnLst>
+                              <p:par>
+                                <p:cTn id="41" presetID="2" presetClass="entr" presetSubtype="4" fill="hold" grpId="0" nodeType="clickEffect">
+                                  <p:stCondLst>
+                                    <p:cond delay="0"/>
+                                  </p:stCondLst>
+                                  <p:childTnLst>
+                                    <p:set>
+                                      <p:cBhvr>
+                                        <p:cTn id="42" dur="1" fill="hold">
+                                          <p:stCondLst>
+                                            <p:cond delay="0"/>
+                                          </p:stCondLst>
+                                        </p:cTn>
+                                        <p:tgtEl>
+                                          <p:spTgt spid="3">
+                                            <p:txEl>
+                                              <p:pRg st="6" end="6"/>
+                                            </p:txEl>
+                                          </p:spTgt>
+                                        </p:tgtEl>
+                                        <p:attrNameLst>
+                                          <p:attrName>style.visibility</p:attrName>
+                                        </p:attrNameLst>
+                                      </p:cBhvr>
+                                      <p:to>
+                                        <p:strVal val="visible"/>
+                                      </p:to>
+                                    </p:set>
+                                    <p:anim calcmode="lin" valueType="num">
+                                      <p:cBhvr additive="base">
+                                        <p:cTn id="43" dur="500" fill="hold"/>
+                                        <p:tgtEl>
+                                          <p:spTgt spid="3">
+                                            <p:txEl>
+                                              <p:pRg st="6" end="6"/>
+                                            </p:txEl>
+                                          </p:spTgt>
+                                        </p:tgtEl>
+                                        <p:attrNameLst>
+                                          <p:attrName>ppt_x</p:attrName>
+                                        </p:attrNameLst>
+                                      </p:cBhvr>
+                                      <p:tavLst>
+                                        <p:tav tm="0">
+                                          <p:val>
+                                            <p:strVal val="#ppt_x"/>
+                                          </p:val>
+                                        </p:tav>
+                                        <p:tav tm="100000">
+                                          <p:val>
+                                            <p:strVal val="#ppt_x"/>
+                                          </p:val>
+                                        </p:tav>
+                                      </p:tavLst>
+                                    </p:anim>
+                                    <p:anim calcmode="lin" valueType="num">
+                                      <p:cBhvr additive="base">
+                                        <p:cTn id="44" dur="500" fill="hold"/>
+                                        <p:tgtEl>
+                                          <p:spTgt spid="3">
+                                            <p:txEl>
+                                              <p:pRg st="6" end="6"/>
                                             </p:txEl>
                                           </p:spTgt>
                                         </p:tgtEl>
@@ -18491,7 +18602,7 @@
         <p:spPr>
           <a:xfrm>
             <a:off x="822960" y="4788817"/>
-            <a:ext cx="7387786" cy="1391368"/>
+            <a:ext cx="7387786" cy="1649690"/>
           </a:xfrm>
           <a:prstGeom prst="rect">
             <a:avLst/>
@@ -18499,7 +18610,7 @@
         </p:spPr>
         <p:txBody>
           <a:bodyPr vert="horz" lIns="0" tIns="45720" rIns="0" bIns="45720" rtlCol="0">
-            <a:normAutofit fontScale="85000" lnSpcReduction="20000"/>
+            <a:normAutofit fontScale="70000" lnSpcReduction="20000"/>
           </a:bodyPr>
           <a:lstStyle>
             <a:lvl1pPr marL="91440" indent="-91440" algn="l" defTabSz="914400" rtl="0" eaLnBrk="1" latinLnBrk="0" hangingPunct="1">
@@ -18760,7 +18871,7 @@
               <a:rPr lang="en-GB" dirty="0">
                 <a:hlinkClick r:id="rId4"/>
               </a:rPr>
-              <a:t>https://docs.oracle.com/javase/tutorial/</a:t>
+              <a:t>The Java Tutorial</a:t>
             </a:r>
             <a:endParaRPr lang="en-GB" dirty="0"/>
           </a:p>
@@ -18777,7 +18888,7 @@
               <a:rPr lang="en-GB" dirty="0">
                 <a:hlinkClick r:id="rId5"/>
               </a:rPr>
-              <a:t>https://docs.oracle.com/javase/8/docs/api/</a:t>
+              <a:t>Java API documentation</a:t>
             </a:r>
             <a:endParaRPr lang="en-GB" dirty="0"/>
           </a:p>
@@ -18794,7 +18905,13 @@
               <a:rPr lang="en-GB" dirty="0">
                 <a:hlinkClick r:id="rId6"/>
               </a:rPr>
-              <a:t>Link to today’s Session screencast   </a:t>
+              <a:t>Link to today’s </a:t>
+            </a:r>
+            <a:r>
+              <a:rPr lang="en-GB">
+                <a:hlinkClick r:id="rId6"/>
+              </a:rPr>
+              <a:t>Session Screencast  </a:t>
             </a:r>
             <a:endParaRPr lang="en-GB" dirty="0"/>
           </a:p>
@@ -18811,15 +18928,7 @@
               <a:rPr lang="en-GB" dirty="0">
                 <a:hlinkClick r:id="rId7"/>
               </a:rPr>
-              <a:t>Link to Group Padlet</a:t>
-            </a:r>
-            <a:r>
-              <a:rPr lang="en-GB" dirty="0"/>
-              <a:t> (submit </a:t>
-            </a:r>
-            <a:r>
-              <a:rPr lang="en-GB"/>
-              <a:t>your exercises here)</a:t>
+              <a:t>Link to John’s Group Padlet</a:t>
             </a:r>
             <a:endParaRPr lang="en-GB" dirty="0"/>
           </a:p>
@@ -18828,6 +18937,16 @@
               <a:buFont typeface="Wingdings" panose="05000000000000000000" pitchFamily="2" charset="2"/>
               <a:buChar char="v"/>
             </a:pPr>
+            <a:r>
+              <a:rPr lang="en-GB" dirty="0"/>
+              <a:t> </a:t>
+            </a:r>
+            <a:r>
+              <a:rPr lang="en-GB" dirty="0">
+                <a:hlinkClick r:id="rId8"/>
+              </a:rPr>
+              <a:t>Link to Kelly’s Group Padlet</a:t>
+            </a:r>
             <a:endParaRPr lang="en-GB" dirty="0"/>
           </a:p>
         </p:txBody>
@@ -18835,7 +18954,7 @@
       <p:pic>
         <p:nvPicPr>
           <p:cNvPr id="1028" name="Picture 4">
-            <a:hlinkClick r:id="rId8"/>
+            <a:hlinkClick r:id="rId9"/>
             <a:extLst>
               <a:ext uri="{FF2B5EF4-FFF2-40B4-BE49-F238E27FC236}">
                 <a16:creationId xmlns:a16="http://schemas.microsoft.com/office/drawing/2014/main" id="{2804B4FC-958E-40C2-BD69-0321299F6DA2}"/>
@@ -18850,7 +18969,7 @@
           </p:nvPr>
         </p:nvPicPr>
         <p:blipFill>
-          <a:blip r:embed="rId9">
+          <a:blip r:embed="rId10">
             <a:extLst>
               <a:ext uri="{28A0092B-C50C-407E-A947-70E740481C1C}">
                 <a14:useLocalDpi xmlns:a14="http://schemas.microsoft.com/office/drawing/2010/main" val="0"/>
@@ -19286,6 +19405,109 @@
                                           <p:spTgt spid="8">
                                             <p:txEl>
                                               <p:pRg st="3" end="3"/>
+                                            </p:txEl>
+                                          </p:spTgt>
+                                        </p:tgtEl>
+                                        <p:attrNameLst>
+                                          <p:attrName>ppt_y</p:attrName>
+                                        </p:attrNameLst>
+                                      </p:cBhvr>
+                                      <p:tavLst>
+                                        <p:tav tm="0">
+                                          <p:val>
+                                            <p:strVal val="1+#ppt_h/2"/>
+                                          </p:val>
+                                        </p:tav>
+                                        <p:tav tm="100000">
+                                          <p:val>
+                                            <p:strVal val="#ppt_y"/>
+                                          </p:val>
+                                        </p:tav>
+                                      </p:tavLst>
+                                    </p:anim>
+                                  </p:childTnLst>
+                                </p:cTn>
+                              </p:par>
+                            </p:childTnLst>
+                          </p:cTn>
+                        </p:par>
+                      </p:childTnLst>
+                    </p:cTn>
+                  </p:par>
+                  <p:par>
+                    <p:cTn id="27" fill="hold">
+                      <p:stCondLst>
+                        <p:cond delay="indefinite"/>
+                      </p:stCondLst>
+                      <p:childTnLst>
+                        <p:par>
+                          <p:cTn id="28" fill="hold">
+                            <p:stCondLst>
+                              <p:cond delay="0"/>
+                            </p:stCondLst>
+                            <p:childTnLst>
+                              <p:par>
+                                <p:cTn id="29" presetID="2" presetClass="entr" presetSubtype="4" fill="hold" grpId="0" nodeType="clickEffect">
+                                  <p:stCondLst>
+                                    <p:cond delay="0"/>
+                                  </p:stCondLst>
+                                  <p:childTnLst>
+                                    <p:set>
+                                      <p:cBhvr>
+                                        <p:cTn id="30" dur="1" fill="hold">
+                                          <p:stCondLst>
+                                            <p:cond delay="0"/>
+                                          </p:stCondLst>
+                                        </p:cTn>
+                                        <p:tgtEl>
+                                          <p:spTgt spid="8">
+                                            <p:txEl>
+                                              <p:pRg st="4" end="4"/>
+                                            </p:txEl>
+                                          </p:spTgt>
+                                        </p:tgtEl>
+                                        <p:attrNameLst>
+                                          <p:attrName>style.visibility</p:attrName>
+                                        </p:attrNameLst>
+                                      </p:cBhvr>
+                                      <p:to>
+                                        <p:strVal val="visible"/>
+                                      </p:to>
+                                    </p:set>
+                                    <p:anim calcmode="lin" valueType="num">
+                                      <p:cBhvr additive="base">
+                                        <p:cTn id="31" dur="500" fill="hold"/>
+                                        <p:tgtEl>
+                                          <p:spTgt spid="8">
+                                            <p:txEl>
+                                              <p:pRg st="4" end="4"/>
+                                            </p:txEl>
+                                          </p:spTgt>
+                                        </p:tgtEl>
+                                        <p:attrNameLst>
+                                          <p:attrName>ppt_x</p:attrName>
+                                        </p:attrNameLst>
+                                      </p:cBhvr>
+                                      <p:tavLst>
+                                        <p:tav tm="0">
+                                          <p:val>
+                                            <p:strVal val="#ppt_x"/>
+                                          </p:val>
+                                        </p:tav>
+                                        <p:tav tm="100000">
+                                          <p:val>
+                                            <p:strVal val="#ppt_x"/>
+                                          </p:val>
+                                        </p:tav>
+                                      </p:tavLst>
+                                    </p:anim>
+                                    <p:anim calcmode="lin" valueType="num">
+                                      <p:cBhvr additive="base">
+                                        <p:cTn id="32" dur="500" fill="hold"/>
+                                        <p:tgtEl>
+                                          <p:spTgt spid="8">
+                                            <p:txEl>
+                                              <p:pRg st="4" end="4"/>
                                             </p:txEl>
                                           </p:spTgt>
                                         </p:tgtEl>
@@ -25544,6 +25766,15 @@
 </file>
 
 <file path=customXml/item2.xml><?xml version="1.0" encoding="utf-8"?>
+<?mso-contentType ?>
+<FormTemplates xmlns="http://schemas.microsoft.com/sharepoint/v3/contenttype/forms">
+  <Display>DocumentLibraryForm</Display>
+  <Edit>DocumentLibraryForm</Edit>
+  <New>DocumentLibraryForm</New>
+</FormTemplates>
+</file>
+
+<file path=customXml/item3.xml><?xml version="1.0" encoding="utf-8"?>
 <ct:contentTypeSchema xmlns:ct="http://schemas.microsoft.com/office/2006/metadata/contentType" xmlns:ma="http://schemas.microsoft.com/office/2006/metadata/properties/metaAttributes" ct:_="" ma:_="" ma:contentTypeName="Document" ma:contentTypeID="0x010100062A1965C0ED8D4B93D90EC9097FB304" ma:contentTypeVersion="13" ma:contentTypeDescription="Create a new document." ma:contentTypeScope="" ma:versionID="ad8c00255a362f38b965062bb6973433">
   <xsd:schema xmlns:xsd="http://www.w3.org/2001/XMLSchema" xmlns:xs="http://www.w3.org/2001/XMLSchema" xmlns:p="http://schemas.microsoft.com/office/2006/metadata/properties" xmlns:ns3="cab83b3b-4db3-4a13-8dd4-e60be6d87cf5" xmlns:ns4="c2e86655-d7ed-4420-bc92-1b9547829f54" targetNamespace="http://schemas.microsoft.com/office/2006/metadata/properties" ma:root="true" ma:fieldsID="d47f86c9060cacabc5fb99b2dd628c7d" ns3:_="" ns4:_="">
     <xsd:import namespace="cab83b3b-4db3-4a13-8dd4-e60be6d87cf5"/>
@@ -25766,33 +25997,32 @@
 </ct:contentTypeSchema>
 </file>
 
-<file path=customXml/item3.xml><?xml version="1.0" encoding="utf-8"?>
-<?mso-contentType ?>
-<FormTemplates xmlns="http://schemas.microsoft.com/sharepoint/v3/contenttype/forms">
-  <Display>DocumentLibraryForm</Display>
-  <Edit>DocumentLibraryForm</Edit>
-  <New>DocumentLibraryForm</New>
-</FormTemplates>
-</file>
-
 <file path=customXml/itemProps1.xml><?xml version="1.0" encoding="utf-8"?>
 <ds:datastoreItem xmlns:ds="http://schemas.openxmlformats.org/officeDocument/2006/customXml" ds:itemID="{1B174DBE-1AD7-495B-B168-212A7EE723A6}">
   <ds:schemaRefs>
+    <ds:schemaRef ds:uri="http://www.w3.org/XML/1998/namespace"/>
+    <ds:schemaRef ds:uri="http://purl.org/dc/elements/1.1/"/>
+    <ds:schemaRef ds:uri="cab83b3b-4db3-4a13-8dd4-e60be6d87cf5"/>
+    <ds:schemaRef ds:uri="http://schemas.microsoft.com/office/2006/documentManagement/types"/>
+    <ds:schemaRef ds:uri="http://schemas.microsoft.com/office/infopath/2007/PartnerControls"/>
     <ds:schemaRef ds:uri="http://purl.org/dc/terms/"/>
-    <ds:schemaRef ds:uri="http://purl.org/dc/dcmitype/"/>
-    <ds:schemaRef ds:uri="http://purl.org/dc/elements/1.1/"/>
-    <ds:schemaRef ds:uri="http://schemas.microsoft.com/office/infopath/2007/PartnerControls"/>
-    <ds:schemaRef ds:uri="http://schemas.microsoft.com/office/2006/metadata/properties"/>
-    <ds:schemaRef ds:uri="http://schemas.microsoft.com/office/2006/documentManagement/types"/>
     <ds:schemaRef ds:uri="c2e86655-d7ed-4420-bc92-1b9547829f54"/>
     <ds:schemaRef ds:uri="http://schemas.openxmlformats.org/package/2006/metadata/core-properties"/>
-    <ds:schemaRef ds:uri="cab83b3b-4db3-4a13-8dd4-e60be6d87cf5"/>
-    <ds:schemaRef ds:uri="http://www.w3.org/XML/1998/namespace"/>
+    <ds:schemaRef ds:uri="http://schemas.microsoft.com/office/2006/metadata/properties"/>
+    <ds:schemaRef ds:uri="http://purl.org/dc/dcmitype/"/>
   </ds:schemaRefs>
 </ds:datastoreItem>
 </file>
 
 <file path=customXml/itemProps2.xml><?xml version="1.0" encoding="utf-8"?>
+<ds:datastoreItem xmlns:ds="http://schemas.openxmlformats.org/officeDocument/2006/customXml" ds:itemID="{07A05CC1-FF68-453F-AE9C-352B80151440}">
+  <ds:schemaRefs>
+    <ds:schemaRef ds:uri="http://schemas.microsoft.com/sharepoint/v3/contenttype/forms"/>
+  </ds:schemaRefs>
+</ds:datastoreItem>
+</file>
+
+<file path=customXml/itemProps3.xml><?xml version="1.0" encoding="utf-8"?>
 <ds:datastoreItem xmlns:ds="http://schemas.openxmlformats.org/officeDocument/2006/customXml" ds:itemID="{03233C07-2685-44F7-9601-FF64EA49BA1B}">
   <ds:schemaRefs>
     <ds:schemaRef ds:uri="http://schemas.microsoft.com/office/2006/metadata/contentType"/>
@@ -25809,12 +26039,4 @@
     <ds:schemaRef ds:uri="http://schemas.microsoft.com/internal/obd"/>
   </ds:schemaRefs>
 </ds:datastoreItem>
-</file>
-
-<file path=customXml/itemProps3.xml><?xml version="1.0" encoding="utf-8"?>
-<ds:datastoreItem xmlns:ds="http://schemas.openxmlformats.org/officeDocument/2006/customXml" ds:itemID="{07A05CC1-FF68-453F-AE9C-352B80151440}">
-  <ds:schemaRefs>
-    <ds:schemaRef ds:uri="http://schemas.microsoft.com/sharepoint/v3/contenttype/forms"/>
-  </ds:schemaRefs>
-</ds:datastoreItem>
 </file>